--- a/yolo.pptx
+++ b/yolo.pptx
@@ -8,6 +8,7 @@
     <p:sldId id="256" r:id="rId2"/>
     <p:sldId id="257" r:id="rId3"/>
     <p:sldId id="258" r:id="rId4"/>
+    <p:sldId id="259" r:id="rId5"/>
   </p:sldIdLst>
   <p:sldSz cx="12192000" cy="6858000"/>
   <p:notesSz cx="6858000" cy="9144000"/>
@@ -240,6 +241,11 @@
       </a:defRPr>
     </a:lvl9pPr>
   </p:defaultTextStyle>
+  <p:extLst>
+    <p:ext uri="{EFAFB233-063F-42B5-8137-9DF3F51BA10A}">
+      <p15:sldGuideLst xmlns:p15="http://schemas.microsoft.com/office/powerpoint/2012/main"/>
+    </p:ext>
+  </p:extLst>
 </p:presentation>
 </file>
 
@@ -803,7 +809,7 @@
           <a:p>
             <a:fld id="{A819C917-824E-4DCB-AEED-0760E7A3AB0F}" type="datetimeFigureOut">
               <a:rPr kumimoji="1" lang="ja-JP" altLang="en-US" smtClean="0"/>
-              <a:t>2019/12/30</a:t>
+              <a:t>2020/1/5</a:t>
             </a:fld>
             <a:endParaRPr kumimoji="1" lang="ja-JP" altLang="en-US"/>
           </a:p>
@@ -1804,7 +1810,7 @@
           <a:p>
             <a:fld id="{A819C917-824E-4DCB-AEED-0760E7A3AB0F}" type="datetimeFigureOut">
               <a:rPr kumimoji="1" lang="ja-JP" altLang="en-US" smtClean="0"/>
-              <a:t>2019/12/30</a:t>
+              <a:t>2020/1/5</a:t>
             </a:fld>
             <a:endParaRPr kumimoji="1" lang="ja-JP" altLang="en-US"/>
           </a:p>
@@ -2985,7 +2991,7 @@
           <a:p>
             <a:fld id="{A819C917-824E-4DCB-AEED-0760E7A3AB0F}" type="datetimeFigureOut">
               <a:rPr kumimoji="1" lang="ja-JP" altLang="en-US" smtClean="0"/>
-              <a:t>2019/12/30</a:t>
+              <a:t>2020/1/5</a:t>
             </a:fld>
             <a:endParaRPr kumimoji="1" lang="ja-JP" altLang="en-US"/>
           </a:p>
@@ -4552,7 +4558,7 @@
           <a:p>
             <a:fld id="{A819C917-824E-4DCB-AEED-0760E7A3AB0F}" type="datetimeFigureOut">
               <a:rPr kumimoji="1" lang="ja-JP" altLang="en-US" smtClean="0"/>
-              <a:t>2019/12/30</a:t>
+              <a:t>2020/1/5</a:t>
             </a:fld>
             <a:endParaRPr kumimoji="1" lang="ja-JP" altLang="en-US"/>
           </a:p>
@@ -5347,7 +5353,7 @@
           <a:p>
             <a:fld id="{A819C917-824E-4DCB-AEED-0760E7A3AB0F}" type="datetimeFigureOut">
               <a:rPr kumimoji="1" lang="ja-JP" altLang="en-US" smtClean="0"/>
-              <a:t>2019/12/30</a:t>
+              <a:t>2020/1/5</a:t>
             </a:fld>
             <a:endParaRPr kumimoji="1" lang="ja-JP" altLang="en-US"/>
           </a:p>
@@ -5973,7 +5979,7 @@
           <a:p>
             <a:fld id="{A819C917-824E-4DCB-AEED-0760E7A3AB0F}" type="datetimeFigureOut">
               <a:rPr kumimoji="1" lang="ja-JP" altLang="en-US" smtClean="0"/>
-              <a:t>2019/12/30</a:t>
+              <a:t>2020/1/5</a:t>
             </a:fld>
             <a:endParaRPr kumimoji="1" lang="ja-JP" altLang="en-US"/>
           </a:p>
@@ -7234,7 +7240,7 @@
           <a:p>
             <a:fld id="{A819C917-824E-4DCB-AEED-0760E7A3AB0F}" type="datetimeFigureOut">
               <a:rPr kumimoji="1" lang="ja-JP" altLang="en-US" smtClean="0"/>
-              <a:t>2019/12/30</a:t>
+              <a:t>2020/1/5</a:t>
             </a:fld>
             <a:endParaRPr kumimoji="1" lang="ja-JP" altLang="en-US"/>
           </a:p>
@@ -8512,7 +8518,7 @@
           <a:p>
             <a:fld id="{A819C917-824E-4DCB-AEED-0760E7A3AB0F}" type="datetimeFigureOut">
               <a:rPr kumimoji="1" lang="ja-JP" altLang="en-US" smtClean="0"/>
-              <a:t>2019/12/30</a:t>
+              <a:t>2020/1/5</a:t>
             </a:fld>
             <a:endParaRPr kumimoji="1" lang="ja-JP" altLang="en-US"/>
           </a:p>
@@ -9789,7 +9795,7 @@
           <p:cNvPr id="2" name="タイトル 1">
             <a:extLst>
               <a:ext uri="{FF2B5EF4-FFF2-40B4-BE49-F238E27FC236}">
-                <a16:creationId xmlns:a16="http://schemas.microsoft.com/office/drawing/2014/main" id="{BBBC0B0E-0035-4D02-834E-CDBEBAEFC972}"/>
+                <a16:creationId xmlns:a16="http://schemas.microsoft.com/office/drawing/2014/main" xmlns="" id="{BBBC0B0E-0035-4D02-834E-CDBEBAEFC972}"/>
               </a:ext>
             </a:extLst>
           </p:cNvPr>
@@ -9862,7 +9868,7 @@
           <p:cNvPr id="3" name="字幕 2">
             <a:extLst>
               <a:ext uri="{FF2B5EF4-FFF2-40B4-BE49-F238E27FC236}">
-                <a16:creationId xmlns:a16="http://schemas.microsoft.com/office/drawing/2014/main" id="{6BE57549-FEDA-40C0-91A1-18C1D965B3B0}"/>
+                <a16:creationId xmlns:a16="http://schemas.microsoft.com/office/drawing/2014/main" xmlns="" id="{6BE57549-FEDA-40C0-91A1-18C1D965B3B0}"/>
               </a:ext>
             </a:extLst>
           </p:cNvPr>
@@ -9946,7 +9952,7 @@
           <p:cNvPr id="2" name="タイトル 1">
             <a:extLst>
               <a:ext uri="{FF2B5EF4-FFF2-40B4-BE49-F238E27FC236}">
-                <a16:creationId xmlns:a16="http://schemas.microsoft.com/office/drawing/2014/main" id="{A44227B4-4B80-4611-AA51-049DEAA215CC}"/>
+                <a16:creationId xmlns:a16="http://schemas.microsoft.com/office/drawing/2014/main" xmlns="" id="{A44227B4-4B80-4611-AA51-049DEAA215CC}"/>
               </a:ext>
             </a:extLst>
           </p:cNvPr>
@@ -9975,7 +9981,7 @@
           <p:cNvPr id="3" name="テキスト プレースホルダー 2">
             <a:extLst>
               <a:ext uri="{FF2B5EF4-FFF2-40B4-BE49-F238E27FC236}">
-                <a16:creationId xmlns:a16="http://schemas.microsoft.com/office/drawing/2014/main" id="{FB9A134D-8C41-43F2-9805-524655AF85B2}"/>
+                <a16:creationId xmlns:a16="http://schemas.microsoft.com/office/drawing/2014/main" xmlns="" id="{FB9A134D-8C41-43F2-9805-524655AF85B2}"/>
               </a:ext>
             </a:extLst>
           </p:cNvPr>
@@ -9989,7 +9995,7 @@
         <p:spPr>
           <a:xfrm>
             <a:off x="838200" y="4131425"/>
-            <a:ext cx="10515600" cy="1657397"/>
+            <a:ext cx="10515600" cy="1121059"/>
           </a:xfrm>
         </p:spPr>
         <p:txBody>
@@ -10026,26 +10032,6 @@
               <a:rPr kumimoji="1" lang="en-US" altLang="ja-JP" b="1" dirty="0"/>
               <a:t>	</a:t>
             </a:r>
-            <a:r>
-              <a:rPr lang="en-US" altLang="ja-JP" sz="2000" dirty="0"/>
-              <a:t>Joseph Redmon∗, Santosh </a:t>
-            </a:r>
-            <a:r>
-              <a:rPr lang="en-US" altLang="ja-JP" sz="2000" dirty="0" err="1"/>
-              <a:t>Divvala</a:t>
-            </a:r>
-            <a:r>
-              <a:rPr lang="en-US" altLang="ja-JP" sz="2000" dirty="0"/>
-              <a:t>, Ross </a:t>
-            </a:r>
-            <a:r>
-              <a:rPr lang="en-US" altLang="ja-JP" sz="2000" dirty="0" err="1"/>
-              <a:t>Girshick</a:t>
-            </a:r>
-            <a:r>
-              <a:rPr lang="en-US" altLang="ja-JP" sz="2000" dirty="0"/>
-              <a:t>, Ali Farhadi</a:t>
-            </a:r>
             <a:endParaRPr lang="en-US" altLang="ja-JP" dirty="0"/>
           </a:p>
         </p:txBody>
@@ -10055,7 +10041,7 @@
           <p:cNvPr id="4" name="テキスト ボックス 3">
             <a:extLst>
               <a:ext uri="{FF2B5EF4-FFF2-40B4-BE49-F238E27FC236}">
-                <a16:creationId xmlns:a16="http://schemas.microsoft.com/office/drawing/2014/main" id="{58783FF0-66AE-4A05-A157-0F7A79754551}"/>
+                <a16:creationId xmlns:a16="http://schemas.microsoft.com/office/drawing/2014/main" xmlns="" id="{58783FF0-66AE-4A05-A157-0F7A79754551}"/>
               </a:ext>
             </a:extLst>
           </p:cNvPr>
@@ -10120,7 +10106,7 @@
           <p:cNvPr id="5" name="テキスト ボックス 4">
             <a:extLst>
               <a:ext uri="{FF2B5EF4-FFF2-40B4-BE49-F238E27FC236}">
-                <a16:creationId xmlns:a16="http://schemas.microsoft.com/office/drawing/2014/main" id="{9FDFBDDC-D3F8-43EF-9003-E72D454F48C2}"/>
+                <a16:creationId xmlns:a16="http://schemas.microsoft.com/office/drawing/2014/main" xmlns="" id="{9FDFBDDC-D3F8-43EF-9003-E72D454F48C2}"/>
               </a:ext>
             </a:extLst>
           </p:cNvPr>
@@ -10207,7 +10193,7 @@
           <p:cNvPr id="6" name="テキスト ボックス 5">
             <a:extLst>
               <a:ext uri="{FF2B5EF4-FFF2-40B4-BE49-F238E27FC236}">
-                <a16:creationId xmlns:a16="http://schemas.microsoft.com/office/drawing/2014/main" id="{F80BBC8A-4D2D-441F-B3B2-A5DE5433F5AF}"/>
+                <a16:creationId xmlns:a16="http://schemas.microsoft.com/office/drawing/2014/main" xmlns="" id="{F80BBC8A-4D2D-441F-B3B2-A5DE5433F5AF}"/>
               </a:ext>
             </a:extLst>
           </p:cNvPr>
@@ -10246,12 +10232,20 @@
               <a:buNone/>
             </a:pPr>
             <a:r>
-              <a:rPr kumimoji="1" lang="en-US" altLang="ja-JP" sz="2800" dirty="0">
+              <a:rPr kumimoji="1" lang="en-US" altLang="ja-JP" sz="2800" dirty="0" smtClean="0">
                 <a:latin typeface="+mn-ea"/>
                 <a:ea typeface="+mn-ea"/>
                 <a:cs typeface="Segoe UI Light" panose="020B0502040204020203" pitchFamily="34" charset="0"/>
               </a:rPr>
-              <a:t>2015</a:t>
+              <a:t>2016</a:t>
+            </a:r>
+            <a:r>
+              <a:rPr kumimoji="1" lang="ja-JP" altLang="en-US" sz="2800" dirty="0" smtClean="0">
+                <a:latin typeface="+mn-ea"/>
+                <a:ea typeface="+mn-ea"/>
+                <a:cs typeface="Segoe UI Light" panose="020B0502040204020203" pitchFamily="34" charset="0"/>
+              </a:rPr>
+              <a:t>年</a:t>
             </a:r>
             <a:r>
               <a:rPr kumimoji="1" lang="ja-JP" altLang="en-US" sz="2800" dirty="0">
@@ -10259,7 +10253,7 @@
                 <a:ea typeface="+mn-ea"/>
                 <a:cs typeface="Segoe UI Light" panose="020B0502040204020203" pitchFamily="34" charset="0"/>
               </a:rPr>
-              <a:t>年に発表され，現在</a:t>
+              <a:t>に発表され，現在</a:t>
             </a:r>
             <a:r>
               <a:rPr kumimoji="1" lang="en-US" altLang="ja-JP" sz="2800" dirty="0">
@@ -10320,7 +10314,7 @@
           <p:cNvPr id="7" name="正方形/長方形 6">
             <a:extLst>
               <a:ext uri="{FF2B5EF4-FFF2-40B4-BE49-F238E27FC236}">
-                <a16:creationId xmlns:a16="http://schemas.microsoft.com/office/drawing/2014/main" id="{344F65DA-608D-46FB-A682-697D235303F7}"/>
+                <a16:creationId xmlns:a16="http://schemas.microsoft.com/office/drawing/2014/main" xmlns="" id="{344F65DA-608D-46FB-A682-697D235303F7}"/>
               </a:ext>
             </a:extLst>
           </p:cNvPr>
@@ -10329,7 +10323,7 @@
         </p:nvSpPr>
         <p:spPr>
           <a:xfrm>
-            <a:off x="723207" y="1562792"/>
+            <a:off x="838200" y="1479858"/>
             <a:ext cx="6716684" cy="1030763"/>
           </a:xfrm>
           <a:prstGeom prst="rect">
@@ -10364,6 +10358,58 @@
           <a:p>
             <a:pPr algn="ctr"/>
             <a:endParaRPr kumimoji="1" lang="ja-JP" altLang="en-US"/>
+          </a:p>
+        </p:txBody>
+      </p:sp>
+      <p:sp>
+        <p:nvSpPr>
+          <p:cNvPr id="10" name="テキスト ボックス 9">
+            <a:extLst>
+              <a:ext uri="{FF2B5EF4-FFF2-40B4-BE49-F238E27FC236}">
+                <a16:creationId xmlns:a16="http://schemas.microsoft.com/office/drawing/2014/main" xmlns="" id="{F80BBC8A-4D2D-441F-B3B2-A5DE5433F5AF}"/>
+              </a:ext>
+            </a:extLst>
+          </p:cNvPr>
+          <p:cNvSpPr txBox="1"/>
+          <p:nvPr/>
+        </p:nvSpPr>
+        <p:spPr>
+          <a:xfrm>
+            <a:off x="1579416" y="5252484"/>
+            <a:ext cx="6533227" cy="515382"/>
+          </a:xfrm>
+          <a:prstGeom prst="rect">
+            <a:avLst/>
+          </a:prstGeom>
+          <a:noFill/>
+          <a:ln>
+            <a:noFill/>
+          </a:ln>
+        </p:spPr>
+        <p:txBody>
+          <a:bodyPr spcFirstLastPara="1" wrap="none" lIns="91425" tIns="45700" rIns="91425" bIns="45700" rtlCol="0" anchor="t" anchorCtr="0">
+            <a:noAutofit/>
+          </a:bodyPr>
+          <a:lstStyle/>
+          <a:p>
+            <a:pPr marL="114300" lvl="0">
+              <a:lnSpc>
+                <a:spcPct val="90000"/>
+              </a:lnSpc>
+              <a:spcBef>
+                <a:spcPts val="1000"/>
+              </a:spcBef>
+              <a:buSzPts val="1800"/>
+            </a:pPr>
+            <a:r>
+              <a:rPr kumimoji="1" lang="en-US" altLang="ja-JP" sz="2000">
+                <a:latin typeface="Segoe UI Light"/>
+              </a:rPr>
+              <a:t>Joseph Redmon, Santosh Divvala, Ross Girshick, Ali Farhadi</a:t>
+            </a:r>
+            <a:endParaRPr kumimoji="1" lang="en-US" altLang="ja-JP" sz="2800" dirty="0">
+              <a:latin typeface="Segoe UI Light"/>
+            </a:endParaRPr>
           </a:p>
         </p:txBody>
       </p:sp>
@@ -10402,7 +10448,7 @@
           <p:cNvPr id="2" name="タイトル 1">
             <a:extLst>
               <a:ext uri="{FF2B5EF4-FFF2-40B4-BE49-F238E27FC236}">
-                <a16:creationId xmlns:a16="http://schemas.microsoft.com/office/drawing/2014/main" id="{CB3D87DD-43B4-41D6-BAC3-18F5F0FC674A}"/>
+                <a16:creationId xmlns:a16="http://schemas.microsoft.com/office/drawing/2014/main" xmlns="" id="{CB3D87DD-43B4-41D6-BAC3-18F5F0FC674A}"/>
               </a:ext>
             </a:extLst>
           </p:cNvPr>
@@ -10427,7 +10473,7 @@
           <p:cNvPr id="3" name="テキスト プレースホルダー 2">
             <a:extLst>
               <a:ext uri="{FF2B5EF4-FFF2-40B4-BE49-F238E27FC236}">
-                <a16:creationId xmlns:a16="http://schemas.microsoft.com/office/drawing/2014/main" id="{0363B8A2-7E29-4874-A5AF-0F475EE4FF84}"/>
+                <a16:creationId xmlns:a16="http://schemas.microsoft.com/office/drawing/2014/main" xmlns="" id="{0363B8A2-7E29-4874-A5AF-0F475EE4FF84}"/>
               </a:ext>
             </a:extLst>
           </p:cNvPr>
@@ -10451,6 +10497,171 @@
     <p:extLst>
       <p:ext uri="{BB962C8B-B14F-4D97-AF65-F5344CB8AC3E}">
         <p14:creationId xmlns:p14="http://schemas.microsoft.com/office/powerpoint/2010/main" val="3519548776"/>
+      </p:ext>
+    </p:extLst>
+  </p:cSld>
+  <p:clrMapOvr>
+    <a:masterClrMapping/>
+  </p:clrMapOvr>
+</p:sld>
+</file>
+
+<file path=ppt/slides/slide4.xml><?xml version="1.0" encoding="utf-8"?>
+<p:sld xmlns:a="http://schemas.openxmlformats.org/drawingml/2006/main" xmlns:r="http://schemas.openxmlformats.org/officeDocument/2006/relationships" xmlns:p="http://schemas.openxmlformats.org/presentationml/2006/main">
+  <p:cSld>
+    <p:spTree>
+      <p:nvGrpSpPr>
+        <p:cNvPr id="1" name=""/>
+        <p:cNvGrpSpPr/>
+        <p:nvPr/>
+      </p:nvGrpSpPr>
+      <p:grpSpPr>
+        <a:xfrm>
+          <a:off x="0" y="0"/>
+          <a:ext cx="0" cy="0"/>
+          <a:chOff x="0" y="0"/>
+          <a:chExt cx="0" cy="0"/>
+        </a:xfrm>
+      </p:grpSpPr>
+      <p:sp>
+        <p:nvSpPr>
+          <p:cNvPr id="2" name="タイトル 1">
+            <a:extLst>
+              <a:ext uri="{FF2B5EF4-FFF2-40B4-BE49-F238E27FC236}">
+                <a16:creationId xmlns:a16="http://schemas.microsoft.com/office/drawing/2014/main" xmlns="" id="{A44227B4-4B80-4611-AA51-049DEAA215CC}"/>
+              </a:ext>
+            </a:extLst>
+          </p:cNvPr>
+          <p:cNvSpPr>
+            <a:spLocks noGrp="1"/>
+          </p:cNvSpPr>
+          <p:nvPr>
+            <p:ph type="title"/>
+          </p:nvPr>
+        </p:nvSpPr>
+        <p:spPr/>
+        <p:txBody>
+          <a:bodyPr/>
+          <a:lstStyle/>
+          <a:p>
+            <a:r>
+              <a:rPr kumimoji="1" lang="ja-JP" altLang="en-US" dirty="0" smtClean="0"/>
+              <a:t>参考</a:t>
+            </a:r>
+            <a:r>
+              <a:rPr kumimoji="1" lang="en-US" altLang="ja-JP" dirty="0" smtClean="0"/>
+              <a:t>URL</a:t>
+            </a:r>
+            <a:endParaRPr kumimoji="1" lang="ja-JP" altLang="en-US" dirty="0"/>
+          </a:p>
+        </p:txBody>
+      </p:sp>
+      <p:sp>
+        <p:nvSpPr>
+          <p:cNvPr id="4" name="テキスト ボックス 3">
+            <a:extLst>
+              <a:ext uri="{FF2B5EF4-FFF2-40B4-BE49-F238E27FC236}">
+                <a16:creationId xmlns:a16="http://schemas.microsoft.com/office/drawing/2014/main" xmlns="" id="{58783FF0-66AE-4A05-A157-0F7A79754551}"/>
+              </a:ext>
+            </a:extLst>
+          </p:cNvPr>
+          <p:cNvSpPr txBox="1"/>
+          <p:nvPr/>
+        </p:nvSpPr>
+        <p:spPr>
+          <a:xfrm>
+            <a:off x="838200" y="1737374"/>
+            <a:ext cx="10515600" cy="4557100"/>
+          </a:xfrm>
+          <a:prstGeom prst="rect">
+            <a:avLst/>
+          </a:prstGeom>
+          <a:noFill/>
+          <a:ln>
+            <a:noFill/>
+          </a:ln>
+        </p:spPr>
+        <p:txBody>
+          <a:bodyPr spcFirstLastPara="1" wrap="none" lIns="91425" tIns="45700" rIns="91425" bIns="45700" rtlCol="0" anchor="t" anchorCtr="0">
+            <a:noAutofit/>
+          </a:bodyPr>
+          <a:lstStyle/>
+          <a:p>
+            <a:r>
+              <a:rPr kumimoji="1" lang="en-US" altLang="ja-JP" sz="2000" dirty="0" smtClean="0">
+                <a:latin typeface="Segoe UI Light" panose="020B0502040204020203" pitchFamily="34" charset="0"/>
+                <a:cs typeface="Segoe UI Light" panose="020B0502040204020203" pitchFamily="34" charset="0"/>
+              </a:rPr>
+              <a:t>YOLO</a:t>
+            </a:r>
+            <a:r>
+              <a:rPr kumimoji="1" lang="ja-JP" altLang="en-US" sz="2000" dirty="0" smtClean="0">
+                <a:latin typeface="Segoe UI Light" panose="020B0502040204020203" pitchFamily="34" charset="0"/>
+                <a:cs typeface="Segoe UI Light" panose="020B0502040204020203" pitchFamily="34" charset="0"/>
+              </a:rPr>
+              <a:t>論文要点</a:t>
+            </a:r>
+            <a:endParaRPr kumimoji="1" lang="en-US" altLang="ja-JP" sz="2000" dirty="0" smtClean="0">
+              <a:latin typeface="Segoe UI Light" panose="020B0502040204020203" pitchFamily="34" charset="0"/>
+              <a:cs typeface="Segoe UI Light" panose="020B0502040204020203" pitchFamily="34" charset="0"/>
+            </a:endParaRPr>
+          </a:p>
+          <a:p>
+            <a:r>
+              <a:rPr kumimoji="1" lang="en-US" altLang="ja-JP" sz="2000" dirty="0" smtClean="0">
+                <a:latin typeface="Segoe UI Light" panose="020B0502040204020203" pitchFamily="34" charset="0"/>
+                <a:cs typeface="Segoe UI Light" panose="020B0502040204020203" pitchFamily="34" charset="0"/>
+                <a:hlinkClick r:id="rId2"/>
+              </a:rPr>
+              <a:t>https</a:t>
+            </a:r>
+            <a:r>
+              <a:rPr kumimoji="1" lang="en-US" altLang="ja-JP" sz="2000" dirty="0">
+                <a:latin typeface="Segoe UI Light" panose="020B0502040204020203" pitchFamily="34" charset="0"/>
+                <a:cs typeface="Segoe UI Light" panose="020B0502040204020203" pitchFamily="34" charset="0"/>
+                <a:hlinkClick r:id="rId2"/>
+              </a:rPr>
+              <a:t>://dev.classmethod.jp/machine-learning/research_paper_yolo</a:t>
+            </a:r>
+            <a:r>
+              <a:rPr kumimoji="1" lang="en-US" altLang="ja-JP" sz="2000" dirty="0" smtClean="0">
+                <a:latin typeface="Segoe UI Light" panose="020B0502040204020203" pitchFamily="34" charset="0"/>
+                <a:cs typeface="Segoe UI Light" panose="020B0502040204020203" pitchFamily="34" charset="0"/>
+                <a:hlinkClick r:id="rId2"/>
+              </a:rPr>
+              <a:t>/</a:t>
+            </a:r>
+            <a:endParaRPr kumimoji="1" lang="en-US" altLang="ja-JP" sz="2000" dirty="0" smtClean="0">
+              <a:latin typeface="Segoe UI Light" panose="020B0502040204020203" pitchFamily="34" charset="0"/>
+              <a:cs typeface="Segoe UI Light" panose="020B0502040204020203" pitchFamily="34" charset="0"/>
+            </a:endParaRPr>
+          </a:p>
+          <a:p>
+            <a:endParaRPr kumimoji="1" lang="en-US" altLang="ja-JP" sz="2000" i="0" u="none" strike="noStrike" cap="none" dirty="0">
+              <a:solidFill>
+                <a:srgbClr val="000000"/>
+              </a:solidFill>
+              <a:latin typeface="Segoe UI Light" panose="020B0502040204020203" pitchFamily="34" charset="0"/>
+              <a:cs typeface="Segoe UI Light" panose="020B0502040204020203" pitchFamily="34" charset="0"/>
+              <a:sym typeface="Arial"/>
+            </a:endParaRPr>
+          </a:p>
+          <a:p>
+            <a:endParaRPr kumimoji="1" lang="ja-JP" altLang="en-US" sz="2000" i="0" u="none" strike="noStrike" cap="none" dirty="0">
+              <a:solidFill>
+                <a:srgbClr val="000000"/>
+              </a:solidFill>
+              <a:latin typeface="Segoe UI Light" panose="020B0502040204020203" pitchFamily="34" charset="0"/>
+              <a:cs typeface="Segoe UI Light" panose="020B0502040204020203" pitchFamily="34" charset="0"/>
+              <a:sym typeface="Arial"/>
+            </a:endParaRPr>
+          </a:p>
+        </p:txBody>
+      </p:sp>
+    </p:spTree>
+    <p:extLst>
+      <p:ext uri="{BB962C8B-B14F-4D97-AF65-F5344CB8AC3E}">
+        <p14:creationId xmlns:p14="http://schemas.microsoft.com/office/powerpoint/2010/main" val="3639393811"/>
       </p:ext>
     </p:extLst>
   </p:cSld>

--- a/yolo.pptx
+++ b/yolo.pptx
@@ -4,11 +4,19 @@
   <p:sldMasterIdLst>
     <p:sldMasterId id="2147483660" r:id="rId1"/>
   </p:sldMasterIdLst>
+  <p:notesMasterIdLst>
+    <p:notesMasterId r:id="rId11"/>
+  </p:notesMasterIdLst>
   <p:sldIdLst>
     <p:sldId id="256" r:id="rId2"/>
-    <p:sldId id="257" r:id="rId3"/>
-    <p:sldId id="258" r:id="rId4"/>
-    <p:sldId id="259" r:id="rId5"/>
+    <p:sldId id="260" r:id="rId3"/>
+    <p:sldId id="257" r:id="rId4"/>
+    <p:sldId id="265" r:id="rId5"/>
+    <p:sldId id="264" r:id="rId6"/>
+    <p:sldId id="261" r:id="rId7"/>
+    <p:sldId id="263" r:id="rId8"/>
+    <p:sldId id="262" r:id="rId9"/>
+    <p:sldId id="259" r:id="rId10"/>
   </p:sldIdLst>
   <p:sldSz cx="12192000" cy="6858000"/>
   <p:notesSz cx="6858000" cy="9144000"/>
@@ -249,6 +257,472 @@
 </p:presentation>
 </file>
 
+<file path=ppt/notesMasters/notesMaster1.xml><?xml version="1.0" encoding="utf-8"?>
+<p:notesMaster xmlns:a="http://schemas.openxmlformats.org/drawingml/2006/main" xmlns:r="http://schemas.openxmlformats.org/officeDocument/2006/relationships" xmlns:p="http://schemas.openxmlformats.org/presentationml/2006/main">
+  <p:cSld>
+    <p:bg>
+      <p:bgRef idx="1001">
+        <a:schemeClr val="bg1"/>
+      </p:bgRef>
+    </p:bg>
+    <p:spTree>
+      <p:nvGrpSpPr>
+        <p:cNvPr id="1" name=""/>
+        <p:cNvGrpSpPr/>
+        <p:nvPr/>
+      </p:nvGrpSpPr>
+      <p:grpSpPr>
+        <a:xfrm>
+          <a:off x="0" y="0"/>
+          <a:ext cx="0" cy="0"/>
+          <a:chOff x="0" y="0"/>
+          <a:chExt cx="0" cy="0"/>
+        </a:xfrm>
+      </p:grpSpPr>
+      <p:sp>
+        <p:nvSpPr>
+          <p:cNvPr id="2" name="ヘッダー プレースホルダー 1"/>
+          <p:cNvSpPr>
+            <a:spLocks noGrp="1"/>
+          </p:cNvSpPr>
+          <p:nvPr>
+            <p:ph type="hdr" sz="quarter"/>
+          </p:nvPr>
+        </p:nvSpPr>
+        <p:spPr>
+          <a:xfrm>
+            <a:off x="0" y="0"/>
+            <a:ext cx="2971800" cy="458788"/>
+          </a:xfrm>
+          <a:prstGeom prst="rect">
+            <a:avLst/>
+          </a:prstGeom>
+        </p:spPr>
+        <p:txBody>
+          <a:bodyPr vert="horz" lIns="91440" tIns="45720" rIns="91440" bIns="45720" rtlCol="0"/>
+          <a:lstStyle>
+            <a:lvl1pPr algn="l">
+              <a:defRPr sz="1200"/>
+            </a:lvl1pPr>
+          </a:lstStyle>
+          <a:p>
+            <a:endParaRPr kumimoji="1" lang="ja-JP" altLang="en-US"/>
+          </a:p>
+        </p:txBody>
+      </p:sp>
+      <p:sp>
+        <p:nvSpPr>
+          <p:cNvPr id="3" name="日付プレースホルダー 2"/>
+          <p:cNvSpPr>
+            <a:spLocks noGrp="1"/>
+          </p:cNvSpPr>
+          <p:nvPr>
+            <p:ph type="dt" idx="1"/>
+          </p:nvPr>
+        </p:nvSpPr>
+        <p:spPr>
+          <a:xfrm>
+            <a:off x="3884613" y="0"/>
+            <a:ext cx="2971800" cy="458788"/>
+          </a:xfrm>
+          <a:prstGeom prst="rect">
+            <a:avLst/>
+          </a:prstGeom>
+        </p:spPr>
+        <p:txBody>
+          <a:bodyPr vert="horz" lIns="91440" tIns="45720" rIns="91440" bIns="45720" rtlCol="0"/>
+          <a:lstStyle>
+            <a:lvl1pPr algn="r">
+              <a:defRPr sz="1200"/>
+            </a:lvl1pPr>
+          </a:lstStyle>
+          <a:p>
+            <a:fld id="{835E27DA-8EB5-4858-BEFD-A7A2F7390094}" type="datetimeFigureOut">
+              <a:rPr kumimoji="1" lang="ja-JP" altLang="en-US" smtClean="0"/>
+              <a:t>2020/1/5</a:t>
+            </a:fld>
+            <a:endParaRPr kumimoji="1" lang="ja-JP" altLang="en-US"/>
+          </a:p>
+        </p:txBody>
+      </p:sp>
+      <p:sp>
+        <p:nvSpPr>
+          <p:cNvPr id="4" name="スライド イメージ プレースホルダー 3"/>
+          <p:cNvSpPr>
+            <a:spLocks noGrp="1" noRot="1" noChangeAspect="1"/>
+          </p:cNvSpPr>
+          <p:nvPr>
+            <p:ph type="sldImg" idx="2"/>
+          </p:nvPr>
+        </p:nvSpPr>
+        <p:spPr>
+          <a:xfrm>
+            <a:off x="685800" y="1143000"/>
+            <a:ext cx="5486400" cy="3086100"/>
+          </a:xfrm>
+          <a:prstGeom prst="rect">
+            <a:avLst/>
+          </a:prstGeom>
+          <a:noFill/>
+          <a:ln w="12700">
+            <a:solidFill>
+              <a:prstClr val="black"/>
+            </a:solidFill>
+          </a:ln>
+        </p:spPr>
+        <p:txBody>
+          <a:bodyPr vert="horz" lIns="91440" tIns="45720" rIns="91440" bIns="45720" rtlCol="0" anchor="ctr"/>
+          <a:lstStyle/>
+          <a:p>
+            <a:endParaRPr lang="ja-JP" altLang="en-US"/>
+          </a:p>
+        </p:txBody>
+      </p:sp>
+      <p:sp>
+        <p:nvSpPr>
+          <p:cNvPr id="5" name="ノート プレースホルダー 4"/>
+          <p:cNvSpPr>
+            <a:spLocks noGrp="1"/>
+          </p:cNvSpPr>
+          <p:nvPr>
+            <p:ph type="body" sz="quarter" idx="3"/>
+          </p:nvPr>
+        </p:nvSpPr>
+        <p:spPr>
+          <a:xfrm>
+            <a:off x="685800" y="4400550"/>
+            <a:ext cx="5486400" cy="3600450"/>
+          </a:xfrm>
+          <a:prstGeom prst="rect">
+            <a:avLst/>
+          </a:prstGeom>
+        </p:spPr>
+        <p:txBody>
+          <a:bodyPr vert="horz" lIns="91440" tIns="45720" rIns="91440" bIns="45720" rtlCol="0"/>
+          <a:lstStyle/>
+          <a:p>
+            <a:pPr lvl="0"/>
+            <a:r>
+              <a:rPr kumimoji="1" lang="ja-JP" altLang="en-US" smtClean="0"/>
+              <a:t>マスター テキストの書式設定</a:t>
+            </a:r>
+          </a:p>
+          <a:p>
+            <a:pPr lvl="1"/>
+            <a:r>
+              <a:rPr kumimoji="1" lang="ja-JP" altLang="en-US" smtClean="0"/>
+              <a:t>第 </a:t>
+            </a:r>
+            <a:r>
+              <a:rPr kumimoji="1" lang="en-US" altLang="ja-JP" smtClean="0"/>
+              <a:t>2 </a:t>
+            </a:r>
+            <a:r>
+              <a:rPr kumimoji="1" lang="ja-JP" altLang="en-US" smtClean="0"/>
+              <a:t>レベル</a:t>
+            </a:r>
+          </a:p>
+          <a:p>
+            <a:pPr lvl="2"/>
+            <a:r>
+              <a:rPr kumimoji="1" lang="ja-JP" altLang="en-US" smtClean="0"/>
+              <a:t>第 </a:t>
+            </a:r>
+            <a:r>
+              <a:rPr kumimoji="1" lang="en-US" altLang="ja-JP" smtClean="0"/>
+              <a:t>3 </a:t>
+            </a:r>
+            <a:r>
+              <a:rPr kumimoji="1" lang="ja-JP" altLang="en-US" smtClean="0"/>
+              <a:t>レベル</a:t>
+            </a:r>
+          </a:p>
+          <a:p>
+            <a:pPr lvl="3"/>
+            <a:r>
+              <a:rPr kumimoji="1" lang="ja-JP" altLang="en-US" smtClean="0"/>
+              <a:t>第 </a:t>
+            </a:r>
+            <a:r>
+              <a:rPr kumimoji="1" lang="en-US" altLang="ja-JP" smtClean="0"/>
+              <a:t>4 </a:t>
+            </a:r>
+            <a:r>
+              <a:rPr kumimoji="1" lang="ja-JP" altLang="en-US" smtClean="0"/>
+              <a:t>レベル</a:t>
+            </a:r>
+          </a:p>
+          <a:p>
+            <a:pPr lvl="4"/>
+            <a:r>
+              <a:rPr kumimoji="1" lang="ja-JP" altLang="en-US" smtClean="0"/>
+              <a:t>第 </a:t>
+            </a:r>
+            <a:r>
+              <a:rPr kumimoji="1" lang="en-US" altLang="ja-JP" smtClean="0"/>
+              <a:t>5 </a:t>
+            </a:r>
+            <a:r>
+              <a:rPr kumimoji="1" lang="ja-JP" altLang="en-US" smtClean="0"/>
+              <a:t>レベル</a:t>
+            </a:r>
+            <a:endParaRPr kumimoji="1" lang="ja-JP" altLang="en-US"/>
+          </a:p>
+        </p:txBody>
+      </p:sp>
+      <p:sp>
+        <p:nvSpPr>
+          <p:cNvPr id="6" name="フッター プレースホルダー 5"/>
+          <p:cNvSpPr>
+            <a:spLocks noGrp="1"/>
+          </p:cNvSpPr>
+          <p:nvPr>
+            <p:ph type="ftr" sz="quarter" idx="4"/>
+          </p:nvPr>
+        </p:nvSpPr>
+        <p:spPr>
+          <a:xfrm>
+            <a:off x="0" y="8685213"/>
+            <a:ext cx="2971800" cy="458787"/>
+          </a:xfrm>
+          <a:prstGeom prst="rect">
+            <a:avLst/>
+          </a:prstGeom>
+        </p:spPr>
+        <p:txBody>
+          <a:bodyPr vert="horz" lIns="91440" tIns="45720" rIns="91440" bIns="45720" rtlCol="0" anchor="b"/>
+          <a:lstStyle>
+            <a:lvl1pPr algn="l">
+              <a:defRPr sz="1200"/>
+            </a:lvl1pPr>
+          </a:lstStyle>
+          <a:p>
+            <a:endParaRPr kumimoji="1" lang="ja-JP" altLang="en-US"/>
+          </a:p>
+        </p:txBody>
+      </p:sp>
+      <p:sp>
+        <p:nvSpPr>
+          <p:cNvPr id="7" name="スライド番号プレースホルダー 6"/>
+          <p:cNvSpPr>
+            <a:spLocks noGrp="1"/>
+          </p:cNvSpPr>
+          <p:nvPr>
+            <p:ph type="sldNum" sz="quarter" idx="5"/>
+          </p:nvPr>
+        </p:nvSpPr>
+        <p:spPr>
+          <a:xfrm>
+            <a:off x="3884613" y="8685213"/>
+            <a:ext cx="2971800" cy="458787"/>
+          </a:xfrm>
+          <a:prstGeom prst="rect">
+            <a:avLst/>
+          </a:prstGeom>
+        </p:spPr>
+        <p:txBody>
+          <a:bodyPr vert="horz" lIns="91440" tIns="45720" rIns="91440" bIns="45720" rtlCol="0" anchor="b"/>
+          <a:lstStyle>
+            <a:lvl1pPr algn="r">
+              <a:defRPr sz="1200"/>
+            </a:lvl1pPr>
+          </a:lstStyle>
+          <a:p>
+            <a:fld id="{5E6BD9BF-6C2C-4810-9A85-61D0D5886D5F}" type="slidenum">
+              <a:rPr kumimoji="1" lang="ja-JP" altLang="en-US" smtClean="0"/>
+              <a:t>‹#›</a:t>
+            </a:fld>
+            <a:endParaRPr kumimoji="1" lang="ja-JP" altLang="en-US"/>
+          </a:p>
+        </p:txBody>
+      </p:sp>
+    </p:spTree>
+    <p:extLst>
+      <p:ext uri="{BB962C8B-B14F-4D97-AF65-F5344CB8AC3E}">
+        <p14:creationId xmlns:p14="http://schemas.microsoft.com/office/powerpoint/2010/main" val="970296929"/>
+      </p:ext>
+    </p:extLst>
+  </p:cSld>
+  <p:clrMap bg1="lt1" tx1="dk1" bg2="lt2" tx2="dk2" accent1="accent1" accent2="accent2" accent3="accent3" accent4="accent4" accent5="accent5" accent6="accent6" hlink="hlink" folHlink="folHlink"/>
+  <p:notesStyle>
+    <a:lvl1pPr marL="0" algn="l" defTabSz="914400" rtl="0" eaLnBrk="1" latinLnBrk="0" hangingPunct="1">
+      <a:defRPr kumimoji="1" sz="1200" kern="1200">
+        <a:solidFill>
+          <a:schemeClr val="tx1"/>
+        </a:solidFill>
+        <a:latin typeface="+mn-lt"/>
+        <a:ea typeface="+mn-ea"/>
+        <a:cs typeface="+mn-cs"/>
+      </a:defRPr>
+    </a:lvl1pPr>
+    <a:lvl2pPr marL="457200" algn="l" defTabSz="914400" rtl="0" eaLnBrk="1" latinLnBrk="0" hangingPunct="1">
+      <a:defRPr kumimoji="1" sz="1200" kern="1200">
+        <a:solidFill>
+          <a:schemeClr val="tx1"/>
+        </a:solidFill>
+        <a:latin typeface="+mn-lt"/>
+        <a:ea typeface="+mn-ea"/>
+        <a:cs typeface="+mn-cs"/>
+      </a:defRPr>
+    </a:lvl2pPr>
+    <a:lvl3pPr marL="914400" algn="l" defTabSz="914400" rtl="0" eaLnBrk="1" latinLnBrk="0" hangingPunct="1">
+      <a:defRPr kumimoji="1" sz="1200" kern="1200">
+        <a:solidFill>
+          <a:schemeClr val="tx1"/>
+        </a:solidFill>
+        <a:latin typeface="+mn-lt"/>
+        <a:ea typeface="+mn-ea"/>
+        <a:cs typeface="+mn-cs"/>
+      </a:defRPr>
+    </a:lvl3pPr>
+    <a:lvl4pPr marL="1371600" algn="l" defTabSz="914400" rtl="0" eaLnBrk="1" latinLnBrk="0" hangingPunct="1">
+      <a:defRPr kumimoji="1" sz="1200" kern="1200">
+        <a:solidFill>
+          <a:schemeClr val="tx1"/>
+        </a:solidFill>
+        <a:latin typeface="+mn-lt"/>
+        <a:ea typeface="+mn-ea"/>
+        <a:cs typeface="+mn-cs"/>
+      </a:defRPr>
+    </a:lvl4pPr>
+    <a:lvl5pPr marL="1828800" algn="l" defTabSz="914400" rtl="0" eaLnBrk="1" latinLnBrk="0" hangingPunct="1">
+      <a:defRPr kumimoji="1" sz="1200" kern="1200">
+        <a:solidFill>
+          <a:schemeClr val="tx1"/>
+        </a:solidFill>
+        <a:latin typeface="+mn-lt"/>
+        <a:ea typeface="+mn-ea"/>
+        <a:cs typeface="+mn-cs"/>
+      </a:defRPr>
+    </a:lvl5pPr>
+    <a:lvl6pPr marL="2286000" algn="l" defTabSz="914400" rtl="0" eaLnBrk="1" latinLnBrk="0" hangingPunct="1">
+      <a:defRPr kumimoji="1" sz="1200" kern="1200">
+        <a:solidFill>
+          <a:schemeClr val="tx1"/>
+        </a:solidFill>
+        <a:latin typeface="+mn-lt"/>
+        <a:ea typeface="+mn-ea"/>
+        <a:cs typeface="+mn-cs"/>
+      </a:defRPr>
+    </a:lvl6pPr>
+    <a:lvl7pPr marL="2743200" algn="l" defTabSz="914400" rtl="0" eaLnBrk="1" latinLnBrk="0" hangingPunct="1">
+      <a:defRPr kumimoji="1" sz="1200" kern="1200">
+        <a:solidFill>
+          <a:schemeClr val="tx1"/>
+        </a:solidFill>
+        <a:latin typeface="+mn-lt"/>
+        <a:ea typeface="+mn-ea"/>
+        <a:cs typeface="+mn-cs"/>
+      </a:defRPr>
+    </a:lvl7pPr>
+    <a:lvl8pPr marL="3200400" algn="l" defTabSz="914400" rtl="0" eaLnBrk="1" latinLnBrk="0" hangingPunct="1">
+      <a:defRPr kumimoji="1" sz="1200" kern="1200">
+        <a:solidFill>
+          <a:schemeClr val="tx1"/>
+        </a:solidFill>
+        <a:latin typeface="+mn-lt"/>
+        <a:ea typeface="+mn-ea"/>
+        <a:cs typeface="+mn-cs"/>
+      </a:defRPr>
+    </a:lvl8pPr>
+    <a:lvl9pPr marL="3657600" algn="l" defTabSz="914400" rtl="0" eaLnBrk="1" latinLnBrk="0" hangingPunct="1">
+      <a:defRPr kumimoji="1" sz="1200" kern="1200">
+        <a:solidFill>
+          <a:schemeClr val="tx1"/>
+        </a:solidFill>
+        <a:latin typeface="+mn-lt"/>
+        <a:ea typeface="+mn-ea"/>
+        <a:cs typeface="+mn-cs"/>
+      </a:defRPr>
+    </a:lvl9pPr>
+  </p:notesStyle>
+</p:notesMaster>
+</file>
+
+<file path=ppt/notesSlides/notesSlide1.xml><?xml version="1.0" encoding="utf-8"?>
+<p:notes xmlns:a="http://schemas.openxmlformats.org/drawingml/2006/main" xmlns:r="http://schemas.openxmlformats.org/officeDocument/2006/relationships" xmlns:p="http://schemas.openxmlformats.org/presentationml/2006/main">
+  <p:cSld>
+    <p:spTree>
+      <p:nvGrpSpPr>
+        <p:cNvPr id="1" name=""/>
+        <p:cNvGrpSpPr/>
+        <p:nvPr/>
+      </p:nvGrpSpPr>
+      <p:grpSpPr>
+        <a:xfrm>
+          <a:off x="0" y="0"/>
+          <a:ext cx="0" cy="0"/>
+          <a:chOff x="0" y="0"/>
+          <a:chExt cx="0" cy="0"/>
+        </a:xfrm>
+      </p:grpSpPr>
+      <p:sp>
+        <p:nvSpPr>
+          <p:cNvPr id="2" name="スライド イメージ プレースホルダー 1"/>
+          <p:cNvSpPr>
+            <a:spLocks noGrp="1" noRot="1" noChangeAspect="1"/>
+          </p:cNvSpPr>
+          <p:nvPr>
+            <p:ph type="sldImg"/>
+          </p:nvPr>
+        </p:nvSpPr>
+        <p:spPr/>
+      </p:sp>
+      <p:sp>
+        <p:nvSpPr>
+          <p:cNvPr id="3" name="ノート プレースホルダー 2"/>
+          <p:cNvSpPr>
+            <a:spLocks noGrp="1"/>
+          </p:cNvSpPr>
+          <p:nvPr>
+            <p:ph type="body" idx="1"/>
+          </p:nvPr>
+        </p:nvSpPr>
+        <p:spPr/>
+        <p:txBody>
+          <a:bodyPr/>
+          <a:lstStyle/>
+          <a:p>
+            <a:endParaRPr kumimoji="1" lang="ja-JP" altLang="en-US"/>
+          </a:p>
+        </p:txBody>
+      </p:sp>
+      <p:sp>
+        <p:nvSpPr>
+          <p:cNvPr id="4" name="スライド番号プレースホルダー 3"/>
+          <p:cNvSpPr>
+            <a:spLocks noGrp="1"/>
+          </p:cNvSpPr>
+          <p:nvPr>
+            <p:ph type="sldNum" sz="quarter" idx="10"/>
+          </p:nvPr>
+        </p:nvSpPr>
+        <p:spPr/>
+        <p:txBody>
+          <a:bodyPr/>
+          <a:lstStyle/>
+          <a:p>
+            <a:fld id="{5E6BD9BF-6C2C-4810-9A85-61D0D5886D5F}" type="slidenum">
+              <a:rPr kumimoji="1" lang="ja-JP" altLang="en-US" smtClean="0"/>
+              <a:t>9</a:t>
+            </a:fld>
+            <a:endParaRPr kumimoji="1" lang="ja-JP" altLang="en-US"/>
+          </a:p>
+        </p:txBody>
+      </p:sp>
+    </p:spTree>
+    <p:extLst>
+      <p:ext uri="{BB962C8B-B14F-4D97-AF65-F5344CB8AC3E}">
+        <p14:creationId xmlns:p14="http://schemas.microsoft.com/office/powerpoint/2010/main" val="3702232300"/>
+      </p:ext>
+    </p:extLst>
+  </p:cSld>
+  <p:clrMapOvr>
+    <a:masterClrMapping/>
+  </p:clrMapOvr>
+</p:notes>
+</file>
+
 <file path=ppt/slideLayouts/slideLayout1.xml><?xml version="1.0" encoding="utf-8"?>
 <p:sldLayout xmlns:a="http://schemas.openxmlformats.org/drawingml/2006/main" xmlns:r="http://schemas.openxmlformats.org/officeDocument/2006/relationships" xmlns:p="http://schemas.openxmlformats.org/presentationml/2006/main" matchingName="タイトル スライド" type="title">
   <p:cSld name="タイトル スライド">
@@ -807,7 +1281,7 @@
             </a:lvl9pPr>
           </a:lstStyle>
           <a:p>
-            <a:fld id="{A819C917-824E-4DCB-AEED-0760E7A3AB0F}" type="datetimeFigureOut">
+            <a:fld id="{E8CA41E7-BF4D-4EF4-9265-BCC7FB2068DC}" type="datetime1">
               <a:rPr kumimoji="1" lang="ja-JP" altLang="en-US" smtClean="0"/>
               <a:t>2020/1/5</a:t>
             </a:fld>
@@ -1808,7 +2282,7 @@
             </a:lvl9pPr>
           </a:lstStyle>
           <a:p>
-            <a:fld id="{A819C917-824E-4DCB-AEED-0760E7A3AB0F}" type="datetimeFigureOut">
+            <a:fld id="{213EC5BE-8500-41FB-AE4D-FB7592DB4B3F}" type="datetime1">
               <a:rPr kumimoji="1" lang="ja-JP" altLang="en-US" smtClean="0"/>
               <a:t>2020/1/5</a:t>
             </a:fld>
@@ -2989,7 +3463,7 @@
             </a:lvl9pPr>
           </a:lstStyle>
           <a:p>
-            <a:fld id="{A819C917-824E-4DCB-AEED-0760E7A3AB0F}" type="datetimeFigureOut">
+            <a:fld id="{80F09FC3-285F-42FB-B5B5-A1C4E3D23D8D}" type="datetime1">
               <a:rPr kumimoji="1" lang="ja-JP" altLang="en-US" smtClean="0"/>
               <a:t>2020/1/5</a:t>
             </a:fld>
@@ -4556,7 +5030,7 @@
             </a:lvl9pPr>
           </a:lstStyle>
           <a:p>
-            <a:fld id="{A819C917-824E-4DCB-AEED-0760E7A3AB0F}" type="datetimeFigureOut">
+            <a:fld id="{102E33C2-4841-43EE-B93C-7A2D950E8BDF}" type="datetime1">
               <a:rPr kumimoji="1" lang="ja-JP" altLang="en-US" smtClean="0"/>
               <a:t>2020/1/5</a:t>
             </a:fld>
@@ -5351,7 +5825,7 @@
             </a:lvl9pPr>
           </a:lstStyle>
           <a:p>
-            <a:fld id="{A819C917-824E-4DCB-AEED-0760E7A3AB0F}" type="datetimeFigureOut">
+            <a:fld id="{366FFF02-B3FB-4CDF-B5B9-947635938CA3}" type="datetime1">
               <a:rPr kumimoji="1" lang="ja-JP" altLang="en-US" smtClean="0"/>
               <a:t>2020/1/5</a:t>
             </a:fld>
@@ -5977,7 +6451,7 @@
             </a:lvl9pPr>
           </a:lstStyle>
           <a:p>
-            <a:fld id="{A819C917-824E-4DCB-AEED-0760E7A3AB0F}" type="datetimeFigureOut">
+            <a:fld id="{31E95A50-4C76-4214-9411-B362DC7A46C2}" type="datetime1">
               <a:rPr kumimoji="1" lang="ja-JP" altLang="en-US" smtClean="0"/>
               <a:t>2020/1/5</a:t>
             </a:fld>
@@ -7238,7 +7712,7 @@
             </a:lvl9pPr>
           </a:lstStyle>
           <a:p>
-            <a:fld id="{A819C917-824E-4DCB-AEED-0760E7A3AB0F}" type="datetimeFigureOut">
+            <a:fld id="{AC7C4260-5D6C-4DEC-8A02-993D723B5509}" type="datetime1">
               <a:rPr kumimoji="1" lang="ja-JP" altLang="en-US" smtClean="0"/>
               <a:t>2020/1/5</a:t>
             </a:fld>
@@ -8516,7 +8990,7 @@
             </a:lvl9pPr>
           </a:lstStyle>
           <a:p>
-            <a:fld id="{A819C917-824E-4DCB-AEED-0760E7A3AB0F}" type="datetimeFigureOut">
+            <a:fld id="{9830EE9A-CB97-4AC8-90A5-068CAF03709D}" type="datetime1">
               <a:rPr kumimoji="1" lang="ja-JP" altLang="en-US" smtClean="0"/>
               <a:t>2020/1/5</a:t>
             </a:fld>
@@ -9081,6 +9555,7 @@
     <p:sldLayoutId id="2147483666" r:id="rId6"/>
     <p:sldLayoutId id="2147483667" r:id="rId7"/>
   </p:sldLayoutIdLst>
+  <p:hf hdr="0" ftr="0" dt="0"/>
   <p:txStyles>
     <p:titleStyle>
       <a:defPPr marR="0" lvl="0" algn="l" rtl="0">
@@ -9917,6 +10392,29 @@
           </a:p>
         </p:txBody>
       </p:sp>
+      <p:sp>
+        <p:nvSpPr>
+          <p:cNvPr id="4" name="スライド番号プレースホルダー 3"/>
+          <p:cNvSpPr>
+            <a:spLocks noGrp="1"/>
+          </p:cNvSpPr>
+          <p:nvPr>
+            <p:ph type="sldNum" idx="12"/>
+          </p:nvPr>
+        </p:nvSpPr>
+        <p:spPr/>
+        <p:txBody>
+          <a:bodyPr/>
+          <a:lstStyle/>
+          <a:p>
+            <a:fld id="{65DCD64C-6423-45E6-8E2E-C7F98492B690}" type="slidenum">
+              <a:rPr kumimoji="1" lang="ja-JP" altLang="en-US" smtClean="0"/>
+              <a:t>1</a:t>
+            </a:fld>
+            <a:endParaRPr kumimoji="1" lang="ja-JP" altLang="en-US"/>
+          </a:p>
+        </p:txBody>
+      </p:sp>
     </p:spTree>
     <p:extLst>
       <p:ext uri="{BB962C8B-B14F-4D97-AF65-F5344CB8AC3E}">
@@ -9931,6 +10429,172 @@
 </file>
 
 <file path=ppt/slides/slide2.xml><?xml version="1.0" encoding="utf-8"?>
+<p:sld xmlns:a="http://schemas.openxmlformats.org/drawingml/2006/main" xmlns:r="http://schemas.openxmlformats.org/officeDocument/2006/relationships" xmlns:p="http://schemas.openxmlformats.org/presentationml/2006/main">
+  <p:cSld>
+    <p:spTree>
+      <p:nvGrpSpPr>
+        <p:cNvPr id="1" name=""/>
+        <p:cNvGrpSpPr/>
+        <p:nvPr/>
+      </p:nvGrpSpPr>
+      <p:grpSpPr>
+        <a:xfrm>
+          <a:off x="0" y="0"/>
+          <a:ext cx="0" cy="0"/>
+          <a:chOff x="0" y="0"/>
+          <a:chExt cx="0" cy="0"/>
+        </a:xfrm>
+      </p:grpSpPr>
+      <p:sp>
+        <p:nvSpPr>
+          <p:cNvPr id="2" name="タイトル 1"/>
+          <p:cNvSpPr>
+            <a:spLocks noGrp="1"/>
+          </p:cNvSpPr>
+          <p:nvPr>
+            <p:ph type="title"/>
+          </p:nvPr>
+        </p:nvSpPr>
+        <p:spPr/>
+        <p:txBody>
+          <a:bodyPr/>
+          <a:lstStyle/>
+          <a:p>
+            <a:r>
+              <a:rPr kumimoji="1" lang="ja-JP" altLang="en-US" dirty="0" smtClean="0">
+                <a:latin typeface="+mj-ea"/>
+                <a:ea typeface="+mj-ea"/>
+              </a:rPr>
+              <a:t>目次</a:t>
+            </a:r>
+            <a:endParaRPr kumimoji="1" lang="ja-JP" altLang="en-US" dirty="0">
+              <a:latin typeface="+mj-ea"/>
+              <a:ea typeface="+mj-ea"/>
+            </a:endParaRPr>
+          </a:p>
+        </p:txBody>
+      </p:sp>
+      <p:sp>
+        <p:nvSpPr>
+          <p:cNvPr id="3" name="テキスト プレースホルダー 2"/>
+          <p:cNvSpPr>
+            <a:spLocks noGrp="1"/>
+          </p:cNvSpPr>
+          <p:nvPr>
+            <p:ph type="body" idx="1"/>
+          </p:nvPr>
+        </p:nvSpPr>
+        <p:spPr/>
+        <p:txBody>
+          <a:bodyPr/>
+          <a:lstStyle/>
+          <a:p>
+            <a:pPr marL="571500" indent="-457200">
+              <a:buFont typeface="Arial" panose="020B0604020202020204" pitchFamily="34" charset="0"/>
+              <a:buChar char="•"/>
+            </a:pPr>
+            <a:r>
+              <a:rPr lang="ja-JP" altLang="en-US" sz="4000" dirty="0" smtClean="0">
+                <a:latin typeface="+mn-ea"/>
+                <a:ea typeface="+mn-ea"/>
+              </a:rPr>
+              <a:t>概要</a:t>
+            </a:r>
+            <a:endParaRPr lang="en-US" altLang="ja-JP" sz="4000" dirty="0">
+              <a:latin typeface="+mn-ea"/>
+              <a:ea typeface="+mn-ea"/>
+            </a:endParaRPr>
+          </a:p>
+          <a:p>
+            <a:pPr marL="571500" indent="-457200">
+              <a:buFont typeface="Arial" panose="020B0604020202020204" pitchFamily="34" charset="0"/>
+              <a:buChar char="•"/>
+            </a:pPr>
+            <a:r>
+              <a:rPr kumimoji="1" lang="ja-JP" altLang="en-US" sz="4000" dirty="0" smtClean="0">
+                <a:latin typeface="+mn-ea"/>
+                <a:ea typeface="+mn-ea"/>
+              </a:rPr>
+              <a:t>アルゴリズムの構造</a:t>
+            </a:r>
+            <a:endParaRPr lang="en-US" altLang="ja-JP" sz="4000" dirty="0">
+              <a:latin typeface="+mn-ea"/>
+              <a:ea typeface="+mn-ea"/>
+            </a:endParaRPr>
+          </a:p>
+          <a:p>
+            <a:pPr marL="571500" indent="-457200">
+              <a:buFont typeface="Arial" panose="020B0604020202020204" pitchFamily="34" charset="0"/>
+              <a:buChar char="•"/>
+            </a:pPr>
+            <a:r>
+              <a:rPr kumimoji="1" lang="ja-JP" altLang="en-US" sz="4000" dirty="0" smtClean="0">
+                <a:latin typeface="+mn-ea"/>
+                <a:ea typeface="+mn-ea"/>
+              </a:rPr>
+              <a:t>他アルゴリズムの比較</a:t>
+            </a:r>
+            <a:endParaRPr kumimoji="1" lang="en-US" altLang="ja-JP" sz="4000" dirty="0" smtClean="0">
+              <a:latin typeface="+mn-ea"/>
+              <a:ea typeface="+mn-ea"/>
+            </a:endParaRPr>
+          </a:p>
+          <a:p>
+            <a:pPr marL="571500" indent="-457200">
+              <a:buFont typeface="Arial" panose="020B0604020202020204" pitchFamily="34" charset="0"/>
+              <a:buChar char="•"/>
+            </a:pPr>
+            <a:r>
+              <a:rPr lang="ja-JP" altLang="en-US" sz="4000" dirty="0" smtClean="0">
+                <a:latin typeface="+mn-ea"/>
+                <a:ea typeface="+mn-ea"/>
+              </a:rPr>
+              <a:t>結論</a:t>
+            </a:r>
+            <a:endParaRPr lang="en-US" altLang="ja-JP" sz="4000" dirty="0" smtClean="0">
+              <a:latin typeface="+mn-ea"/>
+              <a:ea typeface="+mn-ea"/>
+            </a:endParaRPr>
+          </a:p>
+        </p:txBody>
+      </p:sp>
+      <p:sp>
+        <p:nvSpPr>
+          <p:cNvPr id="4" name="スライド番号プレースホルダー 3"/>
+          <p:cNvSpPr>
+            <a:spLocks noGrp="1"/>
+          </p:cNvSpPr>
+          <p:nvPr>
+            <p:ph type="sldNum" idx="12"/>
+          </p:nvPr>
+        </p:nvSpPr>
+        <p:spPr/>
+        <p:txBody>
+          <a:bodyPr/>
+          <a:lstStyle/>
+          <a:p>
+            <a:fld id="{65DCD64C-6423-45E6-8E2E-C7F98492B690}" type="slidenum">
+              <a:rPr kumimoji="1" lang="ja-JP" altLang="en-US" smtClean="0"/>
+              <a:t>2</a:t>
+            </a:fld>
+            <a:endParaRPr kumimoji="1" lang="ja-JP" altLang="en-US"/>
+          </a:p>
+        </p:txBody>
+      </p:sp>
+    </p:spTree>
+    <p:extLst>
+      <p:ext uri="{BB962C8B-B14F-4D97-AF65-F5344CB8AC3E}">
+        <p14:creationId xmlns:p14="http://schemas.microsoft.com/office/powerpoint/2010/main" val="3376470283"/>
+      </p:ext>
+    </p:extLst>
+  </p:cSld>
+  <p:clrMapOvr>
+    <a:masterClrMapping/>
+  </p:clrMapOvr>
+</p:sld>
+</file>
+
+<file path=ppt/slides/slide3.xml><?xml version="1.0" encoding="utf-8"?>
 <p:sld xmlns:a="http://schemas.openxmlformats.org/drawingml/2006/main" xmlns:r="http://schemas.openxmlformats.org/officeDocument/2006/relationships" xmlns:p="http://schemas.openxmlformats.org/presentationml/2006/main">
   <p:cSld>
     <p:spTree>
@@ -9969,8 +10633,8 @@
           <a:lstStyle/>
           <a:p>
             <a:r>
-              <a:rPr kumimoji="1" lang="en-US" altLang="ja-JP" dirty="0"/>
-              <a:t>introduction</a:t>
+              <a:rPr kumimoji="1" lang="ja-JP" altLang="en-US" dirty="0" smtClean="0"/>
+              <a:t>概要</a:t>
             </a:r>
             <a:endParaRPr kumimoji="1" lang="ja-JP" altLang="en-US" dirty="0"/>
           </a:p>
@@ -10115,7 +10779,7 @@
         </p:nvSpPr>
         <p:spPr>
           <a:xfrm>
-            <a:off x="2502130" y="1936865"/>
+            <a:off x="2502130" y="1947751"/>
             <a:ext cx="5960225" cy="532015"/>
           </a:xfrm>
           <a:prstGeom prst="rect">
@@ -10169,12 +10833,24 @@
               <a:t>　</a:t>
             </a:r>
             <a:r>
-              <a:rPr kumimoji="1" lang="ja-JP" altLang="en-US" sz="2800" dirty="0">
+              <a:rPr kumimoji="1" lang="ja-JP" altLang="en-US" sz="2800" b="0" i="0" u="none" strike="noStrike" cap="none" dirty="0" smtClean="0">
+                <a:solidFill>
+                  <a:srgbClr val="000000"/>
+                </a:solidFill>
+                <a:latin typeface="+mn-ea"/>
+                <a:ea typeface="+mn-ea"/>
+                <a:cs typeface="Segoe UI Light" panose="020B0502040204020203" pitchFamily="34" charset="0"/>
+                <a:sym typeface="Arial"/>
+              </a:rPr>
+              <a:t>物体認識</a:t>
+            </a:r>
+            <a:r>
+              <a:rPr kumimoji="1" lang="ja-JP" altLang="en-US" sz="2800" dirty="0" smtClean="0">
                 <a:latin typeface="+mn-ea"/>
                 <a:ea typeface="+mn-ea"/>
                 <a:cs typeface="Segoe UI Light" panose="020B0502040204020203" pitchFamily="34" charset="0"/>
               </a:rPr>
-              <a:t>オブジェクト検出アルゴリズム</a:t>
+              <a:t>アルゴリズム</a:t>
             </a:r>
             <a:endParaRPr kumimoji="1" lang="ja-JP" altLang="en-US" sz="2800" b="0" i="0" u="none" strike="noStrike" cap="none" dirty="0">
               <a:solidFill>
@@ -10299,13 +10975,34 @@
               <a:t>今回読んだのは</a:t>
             </a:r>
             <a:r>
-              <a:rPr kumimoji="1" lang="en-US" altLang="ja-JP" sz="2800" dirty="0">
+              <a:rPr kumimoji="1" lang="en-US" altLang="ja-JP" sz="2800" dirty="0" smtClean="0">
                 <a:latin typeface="+mn-ea"/>
                 <a:ea typeface="+mn-ea"/>
                 <a:cs typeface="Segoe UI Light" panose="020B0502040204020203" pitchFamily="34" charset="0"/>
               </a:rPr>
-              <a:t>version1.</a:t>
+              <a:t>version1</a:t>
             </a:r>
+            <a:r>
+              <a:rPr kumimoji="1" lang="ja-JP" altLang="en-US" sz="2800" dirty="0" smtClean="0">
+                <a:latin typeface="+mn-ea"/>
+                <a:ea typeface="+mn-ea"/>
+                <a:cs typeface="Segoe UI Light" panose="020B0502040204020203" pitchFamily="34" charset="0"/>
+              </a:rPr>
+              <a:t>のみ</a:t>
+            </a:r>
+            <a:r>
+              <a:rPr kumimoji="1" lang="en-US" altLang="ja-JP" sz="2800" dirty="0" smtClean="0">
+                <a:latin typeface="+mn-ea"/>
+                <a:ea typeface="+mn-ea"/>
+                <a:cs typeface="Segoe UI Light" panose="020B0502040204020203" pitchFamily="34" charset="0"/>
+              </a:rPr>
+              <a:t>.</a:t>
+            </a:r>
+            <a:endParaRPr kumimoji="1" lang="en-US" altLang="ja-JP" sz="2800" dirty="0">
+              <a:latin typeface="+mn-ea"/>
+              <a:ea typeface="+mn-ea"/>
+              <a:cs typeface="Segoe UI Light" panose="020B0502040204020203" pitchFamily="34" charset="0"/>
+            </a:endParaRPr>
           </a:p>
         </p:txBody>
       </p:sp>
@@ -10324,7 +11021,7 @@
         <p:spPr>
           <a:xfrm>
             <a:off x="838200" y="1479858"/>
-            <a:ext cx="6716684" cy="1030763"/>
+            <a:ext cx="5595257" cy="1030763"/>
           </a:xfrm>
           <a:prstGeom prst="rect">
             <a:avLst/>
@@ -10413,6 +11110,29 @@
           </a:p>
         </p:txBody>
       </p:sp>
+      <p:sp>
+        <p:nvSpPr>
+          <p:cNvPr id="11" name="スライド番号プレースホルダー 10"/>
+          <p:cNvSpPr>
+            <a:spLocks noGrp="1"/>
+          </p:cNvSpPr>
+          <p:nvPr>
+            <p:ph type="sldNum" idx="12"/>
+          </p:nvPr>
+        </p:nvSpPr>
+        <p:spPr/>
+        <p:txBody>
+          <a:bodyPr/>
+          <a:lstStyle/>
+          <a:p>
+            <a:fld id="{65DCD64C-6423-45E6-8E2E-C7F98492B690}" type="slidenum">
+              <a:rPr kumimoji="1" lang="ja-JP" altLang="en-US" smtClean="0"/>
+              <a:t>3</a:t>
+            </a:fld>
+            <a:endParaRPr kumimoji="1" lang="ja-JP" altLang="en-US"/>
+          </a:p>
+        </p:txBody>
+      </p:sp>
     </p:spTree>
     <p:extLst>
       <p:ext uri="{BB962C8B-B14F-4D97-AF65-F5344CB8AC3E}">
@@ -10426,7 +11146,7 @@
 </p:sld>
 </file>
 
-<file path=ppt/slides/slide3.xml><?xml version="1.0" encoding="utf-8"?>
+<file path=ppt/slides/slide4.xml><?xml version="1.0" encoding="utf-8"?>
 <p:sld xmlns:a="http://schemas.openxmlformats.org/drawingml/2006/main" xmlns:r="http://schemas.openxmlformats.org/officeDocument/2006/relationships" xmlns:p="http://schemas.openxmlformats.org/presentationml/2006/main">
   <p:cSld>
     <p:spTree>
@@ -10448,7 +11168,7 @@
           <p:cNvPr id="2" name="タイトル 1">
             <a:extLst>
               <a:ext uri="{FF2B5EF4-FFF2-40B4-BE49-F238E27FC236}">
-                <a16:creationId xmlns:a16="http://schemas.microsoft.com/office/drawing/2014/main" xmlns="" id="{CB3D87DD-43B4-41D6-BAC3-18F5F0FC674A}"/>
+                <a16:creationId xmlns:a16="http://schemas.microsoft.com/office/drawing/2014/main" xmlns="" id="{A44227B4-4B80-4611-AA51-049DEAA215CC}"/>
               </a:ext>
             </a:extLst>
           </p:cNvPr>
@@ -10464,19 +11184,726 @@
           <a:bodyPr/>
           <a:lstStyle/>
           <a:p>
+            <a:r>
+              <a:rPr kumimoji="1" lang="ja-JP" altLang="en-US" dirty="0" smtClean="0"/>
+              <a:t>物体認識の歴史</a:t>
+            </a:r>
+            <a:endParaRPr kumimoji="1" lang="ja-JP" altLang="en-US" dirty="0"/>
+          </a:p>
+        </p:txBody>
+      </p:sp>
+      <p:sp>
+        <p:nvSpPr>
+          <p:cNvPr id="11" name="スライド番号プレースホルダー 10"/>
+          <p:cNvSpPr>
+            <a:spLocks noGrp="1"/>
+          </p:cNvSpPr>
+          <p:nvPr>
+            <p:ph type="sldNum" idx="12"/>
+          </p:nvPr>
+        </p:nvSpPr>
+        <p:spPr/>
+        <p:txBody>
+          <a:bodyPr/>
+          <a:lstStyle/>
+          <a:p>
+            <a:fld id="{65DCD64C-6423-45E6-8E2E-C7F98492B690}" type="slidenum">
+              <a:rPr kumimoji="1" lang="ja-JP" altLang="en-US" smtClean="0"/>
+              <a:t>4</a:t>
+            </a:fld>
+            <a:endParaRPr kumimoji="1" lang="ja-JP" altLang="en-US"/>
+          </a:p>
+        </p:txBody>
+      </p:sp>
+      <p:pic>
+        <p:nvPicPr>
+          <p:cNvPr id="12" name="図 11"/>
+          <p:cNvPicPr>
+            <a:picLocks noChangeAspect="1"/>
+          </p:cNvPicPr>
+          <p:nvPr/>
+        </p:nvPicPr>
+        <p:blipFill rotWithShape="1">
+          <a:blip r:embed="rId2">
+            <a:extLst>
+              <a:ext uri="{28A0092B-C50C-407E-A947-70E740481C1C}">
+                <a14:useLocalDpi xmlns:a14="http://schemas.microsoft.com/office/drawing/2010/main" val="0"/>
+              </a:ext>
+            </a:extLst>
+          </a:blip>
+          <a:srcRect t="22837"/>
+          <a:stretch/>
+        </p:blipFill>
+        <p:spPr>
+          <a:xfrm>
+            <a:off x="1583573" y="1978886"/>
+            <a:ext cx="8105176" cy="4560026"/>
+          </a:xfrm>
+          <a:prstGeom prst="rect">
+            <a:avLst/>
+          </a:prstGeom>
+        </p:spPr>
+      </p:pic>
+    </p:spTree>
+    <p:extLst>
+      <p:ext uri="{BB962C8B-B14F-4D97-AF65-F5344CB8AC3E}">
+        <p14:creationId xmlns:p14="http://schemas.microsoft.com/office/powerpoint/2010/main" val="345693089"/>
+      </p:ext>
+    </p:extLst>
+  </p:cSld>
+  <p:clrMapOvr>
+    <a:masterClrMapping/>
+  </p:clrMapOvr>
+</p:sld>
+</file>
+
+<file path=ppt/slides/slide5.xml><?xml version="1.0" encoding="utf-8"?>
+<p:sld xmlns:a="http://schemas.openxmlformats.org/drawingml/2006/main" xmlns:r="http://schemas.openxmlformats.org/officeDocument/2006/relationships" xmlns:p="http://schemas.openxmlformats.org/presentationml/2006/main">
+  <p:cSld>
+    <p:spTree>
+      <p:nvGrpSpPr>
+        <p:cNvPr id="1" name=""/>
+        <p:cNvGrpSpPr/>
+        <p:nvPr/>
+      </p:nvGrpSpPr>
+      <p:grpSpPr>
+        <a:xfrm>
+          <a:off x="0" y="0"/>
+          <a:ext cx="0" cy="0"/>
+          <a:chOff x="0" y="0"/>
+          <a:chExt cx="0" cy="0"/>
+        </a:xfrm>
+      </p:grpSpPr>
+      <p:sp>
+        <p:nvSpPr>
+          <p:cNvPr id="4" name="スライド番号プレースホルダー 3"/>
+          <p:cNvSpPr>
+            <a:spLocks noGrp="1"/>
+          </p:cNvSpPr>
+          <p:nvPr>
+            <p:ph type="sldNum" idx="12"/>
+          </p:nvPr>
+        </p:nvSpPr>
+        <p:spPr/>
+        <p:txBody>
+          <a:bodyPr/>
+          <a:lstStyle/>
+          <a:p>
+            <a:fld id="{65DCD64C-6423-45E6-8E2E-C7F98492B690}" type="slidenum">
+              <a:rPr kumimoji="1" lang="ja-JP" altLang="en-US" smtClean="0"/>
+              <a:t>5</a:t>
+            </a:fld>
             <a:endParaRPr kumimoji="1" lang="ja-JP" altLang="en-US"/>
           </a:p>
         </p:txBody>
       </p:sp>
       <p:sp>
         <p:nvSpPr>
-          <p:cNvPr id="3" name="テキスト プレースホルダー 2">
+          <p:cNvPr id="6" name="タイトル 1">
             <a:extLst>
               <a:ext uri="{FF2B5EF4-FFF2-40B4-BE49-F238E27FC236}">
-                <a16:creationId xmlns:a16="http://schemas.microsoft.com/office/drawing/2014/main" xmlns="" id="{0363B8A2-7E29-4874-A5AF-0F475EE4FF84}"/>
+                <a16:creationId xmlns:a16="http://schemas.microsoft.com/office/drawing/2014/main" xmlns="" id="{A44227B4-4B80-4611-AA51-049DEAA215CC}"/>
               </a:ext>
             </a:extLst>
           </p:cNvPr>
+          <p:cNvSpPr txBox="1">
+            <a:spLocks/>
+          </p:cNvSpPr>
+          <p:nvPr/>
+        </p:nvSpPr>
+        <p:spPr>
+          <a:xfrm>
+            <a:off x="838200" y="365125"/>
+            <a:ext cx="10515600" cy="1325563"/>
+          </a:xfrm>
+          <a:prstGeom prst="rect">
+            <a:avLst/>
+          </a:prstGeom>
+        </p:spPr>
+        <p:txBody>
+          <a:bodyPr/>
+          <a:lstStyle>
+            <a:defPPr marR="0" lvl="0" algn="l" rtl="0">
+              <a:lnSpc>
+                <a:spcPct val="100000"/>
+              </a:lnSpc>
+              <a:spcBef>
+                <a:spcPts val="0"/>
+              </a:spcBef>
+              <a:spcAft>
+                <a:spcPts val="0"/>
+              </a:spcAft>
+            </a:defPPr>
+            <a:lvl1pPr marR="0" lvl="0" algn="l" rtl="0" eaLnBrk="1" hangingPunct="1">
+              <a:lnSpc>
+                <a:spcPct val="100000"/>
+              </a:lnSpc>
+              <a:spcBef>
+                <a:spcPts val="0"/>
+              </a:spcBef>
+              <a:spcAft>
+                <a:spcPts val="0"/>
+              </a:spcAft>
+              <a:buClr>
+                <a:srgbClr val="000000"/>
+              </a:buClr>
+              <a:buFont typeface="Arial"/>
+              <a:defRPr kumimoji="1" sz="4800" b="0" i="0" u="none" strike="noStrike" cap="none">
+                <a:solidFill>
+                  <a:srgbClr val="000000"/>
+                </a:solidFill>
+                <a:latin typeface="+mj-ea"/>
+                <a:ea typeface="+mj-ea"/>
+                <a:cs typeface="Arial"/>
+                <a:sym typeface="Arial"/>
+              </a:defRPr>
+            </a:lvl1pPr>
+            <a:lvl2pPr marR="0" lvl="1" algn="l" rtl="0" eaLnBrk="1" hangingPunct="1">
+              <a:lnSpc>
+                <a:spcPct val="100000"/>
+              </a:lnSpc>
+              <a:spcBef>
+                <a:spcPts val="0"/>
+              </a:spcBef>
+              <a:spcAft>
+                <a:spcPts val="0"/>
+              </a:spcAft>
+              <a:buClr>
+                <a:srgbClr val="000000"/>
+              </a:buClr>
+              <a:buFont typeface="Arial"/>
+              <a:defRPr kumimoji="1" sz="1400" b="0" i="0" u="none" strike="noStrike" cap="none">
+                <a:solidFill>
+                  <a:srgbClr val="000000"/>
+                </a:solidFill>
+                <a:latin typeface="Arial"/>
+                <a:ea typeface="Arial"/>
+                <a:cs typeface="Arial"/>
+                <a:sym typeface="Arial"/>
+              </a:defRPr>
+            </a:lvl2pPr>
+            <a:lvl3pPr marR="0" lvl="2" algn="l" rtl="0" eaLnBrk="1" hangingPunct="1">
+              <a:lnSpc>
+                <a:spcPct val="100000"/>
+              </a:lnSpc>
+              <a:spcBef>
+                <a:spcPts val="0"/>
+              </a:spcBef>
+              <a:spcAft>
+                <a:spcPts val="0"/>
+              </a:spcAft>
+              <a:buClr>
+                <a:srgbClr val="000000"/>
+              </a:buClr>
+              <a:buFont typeface="Arial"/>
+              <a:defRPr kumimoji="1" sz="1400" b="0" i="0" u="none" strike="noStrike" cap="none">
+                <a:solidFill>
+                  <a:srgbClr val="000000"/>
+                </a:solidFill>
+                <a:latin typeface="Arial"/>
+                <a:ea typeface="Arial"/>
+                <a:cs typeface="Arial"/>
+                <a:sym typeface="Arial"/>
+              </a:defRPr>
+            </a:lvl3pPr>
+            <a:lvl4pPr marR="0" lvl="3" algn="l" rtl="0" eaLnBrk="1" hangingPunct="1">
+              <a:lnSpc>
+                <a:spcPct val="100000"/>
+              </a:lnSpc>
+              <a:spcBef>
+                <a:spcPts val="0"/>
+              </a:spcBef>
+              <a:spcAft>
+                <a:spcPts val="0"/>
+              </a:spcAft>
+              <a:buClr>
+                <a:srgbClr val="000000"/>
+              </a:buClr>
+              <a:buFont typeface="Arial"/>
+              <a:defRPr kumimoji="1" sz="1400" b="0" i="0" u="none" strike="noStrike" cap="none">
+                <a:solidFill>
+                  <a:srgbClr val="000000"/>
+                </a:solidFill>
+                <a:latin typeface="Arial"/>
+                <a:ea typeface="Arial"/>
+                <a:cs typeface="Arial"/>
+                <a:sym typeface="Arial"/>
+              </a:defRPr>
+            </a:lvl4pPr>
+            <a:lvl5pPr marR="0" lvl="4" algn="l" rtl="0" eaLnBrk="1" hangingPunct="1">
+              <a:lnSpc>
+                <a:spcPct val="100000"/>
+              </a:lnSpc>
+              <a:spcBef>
+                <a:spcPts val="0"/>
+              </a:spcBef>
+              <a:spcAft>
+                <a:spcPts val="0"/>
+              </a:spcAft>
+              <a:buClr>
+                <a:srgbClr val="000000"/>
+              </a:buClr>
+              <a:buFont typeface="Arial"/>
+              <a:defRPr kumimoji="1" sz="1400" b="0" i="0" u="none" strike="noStrike" cap="none">
+                <a:solidFill>
+                  <a:srgbClr val="000000"/>
+                </a:solidFill>
+                <a:latin typeface="Arial"/>
+                <a:ea typeface="Arial"/>
+                <a:cs typeface="Arial"/>
+                <a:sym typeface="Arial"/>
+              </a:defRPr>
+            </a:lvl5pPr>
+            <a:lvl6pPr marR="0" lvl="5" algn="l" rtl="0" eaLnBrk="1" hangingPunct="1">
+              <a:lnSpc>
+                <a:spcPct val="100000"/>
+              </a:lnSpc>
+              <a:spcBef>
+                <a:spcPts val="0"/>
+              </a:spcBef>
+              <a:spcAft>
+                <a:spcPts val="0"/>
+              </a:spcAft>
+              <a:buClr>
+                <a:srgbClr val="000000"/>
+              </a:buClr>
+              <a:buFont typeface="Arial"/>
+              <a:defRPr kumimoji="1" sz="1400" b="0" i="0" u="none" strike="noStrike" cap="none">
+                <a:solidFill>
+                  <a:srgbClr val="000000"/>
+                </a:solidFill>
+                <a:latin typeface="Arial"/>
+                <a:ea typeface="Arial"/>
+                <a:cs typeface="Arial"/>
+                <a:sym typeface="Arial"/>
+              </a:defRPr>
+            </a:lvl6pPr>
+            <a:lvl7pPr marR="0" lvl="6" algn="l" rtl="0" eaLnBrk="1" hangingPunct="1">
+              <a:lnSpc>
+                <a:spcPct val="100000"/>
+              </a:lnSpc>
+              <a:spcBef>
+                <a:spcPts val="0"/>
+              </a:spcBef>
+              <a:spcAft>
+                <a:spcPts val="0"/>
+              </a:spcAft>
+              <a:buClr>
+                <a:srgbClr val="000000"/>
+              </a:buClr>
+              <a:buFont typeface="Arial"/>
+              <a:defRPr kumimoji="1" sz="1400" b="0" i="0" u="none" strike="noStrike" cap="none">
+                <a:solidFill>
+                  <a:srgbClr val="000000"/>
+                </a:solidFill>
+                <a:latin typeface="Arial"/>
+                <a:ea typeface="Arial"/>
+                <a:cs typeface="Arial"/>
+                <a:sym typeface="Arial"/>
+              </a:defRPr>
+            </a:lvl7pPr>
+            <a:lvl8pPr marR="0" lvl="7" algn="l" rtl="0" eaLnBrk="1" hangingPunct="1">
+              <a:lnSpc>
+                <a:spcPct val="100000"/>
+              </a:lnSpc>
+              <a:spcBef>
+                <a:spcPts val="0"/>
+              </a:spcBef>
+              <a:spcAft>
+                <a:spcPts val="0"/>
+              </a:spcAft>
+              <a:buClr>
+                <a:srgbClr val="000000"/>
+              </a:buClr>
+              <a:buFont typeface="Arial"/>
+              <a:defRPr kumimoji="1" sz="1400" b="0" i="0" u="none" strike="noStrike" cap="none">
+                <a:solidFill>
+                  <a:srgbClr val="000000"/>
+                </a:solidFill>
+                <a:latin typeface="Arial"/>
+                <a:ea typeface="Arial"/>
+                <a:cs typeface="Arial"/>
+                <a:sym typeface="Arial"/>
+              </a:defRPr>
+            </a:lvl8pPr>
+            <a:lvl9pPr marR="0" lvl="8" algn="l" rtl="0" eaLnBrk="1" hangingPunct="1">
+              <a:lnSpc>
+                <a:spcPct val="100000"/>
+              </a:lnSpc>
+              <a:spcBef>
+                <a:spcPts val="0"/>
+              </a:spcBef>
+              <a:spcAft>
+                <a:spcPts val="0"/>
+              </a:spcAft>
+              <a:buClr>
+                <a:srgbClr val="000000"/>
+              </a:buClr>
+              <a:buFont typeface="Arial"/>
+              <a:defRPr kumimoji="1" sz="1400" b="0" i="0" u="none" strike="noStrike" cap="none">
+                <a:solidFill>
+                  <a:srgbClr val="000000"/>
+                </a:solidFill>
+                <a:latin typeface="Arial"/>
+                <a:ea typeface="Arial"/>
+                <a:cs typeface="Arial"/>
+                <a:sym typeface="Arial"/>
+              </a:defRPr>
+            </a:lvl9pPr>
+          </a:lstStyle>
+          <a:p>
+            <a:r>
+              <a:rPr lang="ja-JP" altLang="en-US" dirty="0" smtClean="0">
+                <a:latin typeface="Arial Unicode MS" panose="020B0604020202020204" pitchFamily="50" charset="-128"/>
+                <a:ea typeface="Arial Unicode MS" panose="020B0604020202020204" pitchFamily="50" charset="-128"/>
+                <a:cs typeface="Arial Unicode MS" panose="020B0604020202020204" pitchFamily="50" charset="-128"/>
+              </a:rPr>
+              <a:t>概要</a:t>
+            </a:r>
+            <a:endParaRPr lang="ja-JP" altLang="en-US" dirty="0">
+              <a:latin typeface="Arial Unicode MS" panose="020B0604020202020204" pitchFamily="50" charset="-128"/>
+              <a:ea typeface="Arial Unicode MS" panose="020B0604020202020204" pitchFamily="50" charset="-128"/>
+              <a:cs typeface="Arial Unicode MS" panose="020B0604020202020204" pitchFamily="50" charset="-128"/>
+            </a:endParaRPr>
+          </a:p>
+        </p:txBody>
+      </p:sp>
+    </p:spTree>
+    <p:extLst>
+      <p:ext uri="{BB962C8B-B14F-4D97-AF65-F5344CB8AC3E}">
+        <p14:creationId xmlns:p14="http://schemas.microsoft.com/office/powerpoint/2010/main" val="569619918"/>
+      </p:ext>
+    </p:extLst>
+  </p:cSld>
+  <p:clrMapOvr>
+    <a:masterClrMapping/>
+  </p:clrMapOvr>
+</p:sld>
+</file>
+
+<file path=ppt/slides/slide6.xml><?xml version="1.0" encoding="utf-8"?>
+<p:sld xmlns:a="http://schemas.openxmlformats.org/drawingml/2006/main" xmlns:r="http://schemas.openxmlformats.org/officeDocument/2006/relationships" xmlns:p="http://schemas.openxmlformats.org/presentationml/2006/main">
+  <p:cSld>
+    <p:spTree>
+      <p:nvGrpSpPr>
+        <p:cNvPr id="1" name=""/>
+        <p:cNvGrpSpPr/>
+        <p:nvPr/>
+      </p:nvGrpSpPr>
+      <p:grpSpPr>
+        <a:xfrm>
+          <a:off x="0" y="0"/>
+          <a:ext cx="0" cy="0"/>
+          <a:chOff x="0" y="0"/>
+          <a:chExt cx="0" cy="0"/>
+        </a:xfrm>
+      </p:grpSpPr>
+      <p:sp>
+        <p:nvSpPr>
+          <p:cNvPr id="2" name="タイトル 1"/>
+          <p:cNvSpPr>
+            <a:spLocks noGrp="1"/>
+          </p:cNvSpPr>
+          <p:nvPr>
+            <p:ph type="title"/>
+          </p:nvPr>
+        </p:nvSpPr>
+        <p:spPr/>
+        <p:txBody>
+          <a:bodyPr/>
+          <a:lstStyle/>
+          <a:p>
+            <a:r>
+              <a:rPr kumimoji="1" lang="ja-JP" altLang="en-US" dirty="0" smtClean="0"/>
+              <a:t>アルゴリズムの構造</a:t>
+            </a:r>
+            <a:endParaRPr kumimoji="1" lang="ja-JP" altLang="en-US" dirty="0"/>
+          </a:p>
+        </p:txBody>
+      </p:sp>
+      <mc:AlternateContent xmlns:mc="http://schemas.openxmlformats.org/markup-compatibility/2006">
+        <mc:Choice xmlns:a14="http://schemas.microsoft.com/office/drawing/2010/main" Requires="a14">
+          <p:sp>
+            <p:nvSpPr>
+              <p:cNvPr id="3" name="テキスト プレースホルダー 2"/>
+              <p:cNvSpPr>
+                <a:spLocks noGrp="1"/>
+              </p:cNvSpPr>
+              <p:nvPr>
+                <p:ph type="body" idx="1"/>
+              </p:nvPr>
+            </p:nvSpPr>
+            <p:spPr/>
+            <p:txBody>
+              <a:bodyPr/>
+              <a:lstStyle/>
+              <a:p>
+                <a:r>
+                  <a:rPr kumimoji="1" lang="ja-JP" altLang="en-US" dirty="0" smtClean="0"/>
+                  <a:t>１．画像を</a:t>
+                </a:r>
+                <a14:m>
+                  <m:oMath xmlns:m="http://schemas.openxmlformats.org/officeDocument/2006/math">
+                    <m:r>
+                      <a:rPr kumimoji="1" lang="en-US" altLang="ja-JP" b="0" i="1" smtClean="0">
+                        <a:latin typeface="Cambria Math" panose="02040503050406030204" pitchFamily="18" charset="0"/>
+                      </a:rPr>
+                      <m:t>𝑆</m:t>
+                    </m:r>
+                    <m:r>
+                      <a:rPr kumimoji="1" lang="en-US" altLang="ja-JP" b="0" i="1" smtClean="0">
+                        <a:latin typeface="Cambria Math" panose="02040503050406030204" pitchFamily="18" charset="0"/>
+                      </a:rPr>
+                      <m:t>∗</m:t>
+                    </m:r>
+                    <m:r>
+                      <a:rPr kumimoji="1" lang="en-US" altLang="ja-JP" b="0" i="1" smtClean="0">
+                        <a:latin typeface="Cambria Math" panose="02040503050406030204" pitchFamily="18" charset="0"/>
+                      </a:rPr>
+                      <m:t>𝑆</m:t>
+                    </m:r>
+                    <m:r>
+                      <a:rPr lang="ja-JP" altLang="en-US" i="1">
+                        <a:latin typeface="Cambria Math" panose="02040503050406030204" pitchFamily="18" charset="0"/>
+                      </a:rPr>
+                      <m:t>の</m:t>
+                    </m:r>
+                  </m:oMath>
+                </a14:m>
+                <a:r>
+                  <a:rPr kumimoji="1" lang="ja-JP" altLang="en-US" dirty="0" smtClean="0"/>
+                  <a:t>グリッドに分割</a:t>
+                </a:r>
+                <a:endParaRPr kumimoji="1" lang="ja-JP" altLang="en-US" dirty="0"/>
+              </a:p>
+            </p:txBody>
+          </p:sp>
+        </mc:Choice>
+        <mc:Fallback>
+          <p:sp>
+            <p:nvSpPr>
+              <p:cNvPr id="3" name="テキスト プレースホルダー 2"/>
+              <p:cNvSpPr>
+                <a:spLocks noGrp="1" noRot="1" noChangeAspect="1" noMove="1" noResize="1" noEditPoints="1" noAdjustHandles="1" noChangeArrowheads="1" noChangeShapeType="1" noTextEdit="1"/>
+              </p:cNvSpPr>
+              <p:nvPr>
+                <p:ph type="body" idx="1"/>
+              </p:nvPr>
+            </p:nvSpPr>
+            <p:spPr>
+              <a:blipFill rotWithShape="0">
+                <a:blip r:embed="rId2"/>
+                <a:stretch>
+                  <a:fillRect l="-116"/>
+                </a:stretch>
+              </a:blipFill>
+            </p:spPr>
+            <p:txBody>
+              <a:bodyPr/>
+              <a:lstStyle/>
+              <a:p>
+                <a:r>
+                  <a:rPr lang="ja-JP" altLang="en-US">
+                    <a:noFill/>
+                  </a:rPr>
+                  <a:t> </a:t>
+                </a:r>
+              </a:p>
+            </p:txBody>
+          </p:sp>
+        </mc:Fallback>
+      </mc:AlternateContent>
+      <p:pic>
+        <p:nvPicPr>
+          <p:cNvPr id="4" name="図 3"/>
+          <p:cNvPicPr>
+            <a:picLocks noChangeAspect="1"/>
+          </p:cNvPicPr>
+          <p:nvPr/>
+        </p:nvPicPr>
+        <p:blipFill rotWithShape="1">
+          <a:blip r:embed="rId3">
+            <a:extLst>
+              <a:ext uri="{28A0092B-C50C-407E-A947-70E740481C1C}">
+                <a14:useLocalDpi xmlns:a14="http://schemas.microsoft.com/office/drawing/2010/main" val="0"/>
+              </a:ext>
+            </a:extLst>
+          </a:blip>
+          <a:srcRect l="747" t="27092" r="71832" b="25144"/>
+          <a:stretch/>
+        </p:blipFill>
+        <p:spPr>
+          <a:xfrm>
+            <a:off x="6887497" y="1756027"/>
+            <a:ext cx="4011561" cy="4490533"/>
+          </a:xfrm>
+          <a:prstGeom prst="rect">
+            <a:avLst/>
+          </a:prstGeom>
+        </p:spPr>
+      </p:pic>
+      <p:sp>
+        <p:nvSpPr>
+          <p:cNvPr id="5" name="スライド番号プレースホルダー 4"/>
+          <p:cNvSpPr>
+            <a:spLocks noGrp="1"/>
+          </p:cNvSpPr>
+          <p:nvPr>
+            <p:ph type="sldNum" idx="12"/>
+          </p:nvPr>
+        </p:nvSpPr>
+        <p:spPr/>
+        <p:txBody>
+          <a:bodyPr/>
+          <a:lstStyle/>
+          <a:p>
+            <a:fld id="{65DCD64C-6423-45E6-8E2E-C7F98492B690}" type="slidenum">
+              <a:rPr kumimoji="1" lang="ja-JP" altLang="en-US" smtClean="0"/>
+              <a:t>6</a:t>
+            </a:fld>
+            <a:endParaRPr kumimoji="1" lang="ja-JP" altLang="en-US"/>
+          </a:p>
+        </p:txBody>
+      </p:sp>
+    </p:spTree>
+    <p:extLst>
+      <p:ext uri="{BB962C8B-B14F-4D97-AF65-F5344CB8AC3E}">
+        <p14:creationId xmlns:p14="http://schemas.microsoft.com/office/powerpoint/2010/main" val="465230294"/>
+      </p:ext>
+    </p:extLst>
+  </p:cSld>
+  <p:clrMapOvr>
+    <a:masterClrMapping/>
+  </p:clrMapOvr>
+</p:sld>
+</file>
+
+<file path=ppt/slides/slide7.xml><?xml version="1.0" encoding="utf-8"?>
+<p:sld xmlns:a="http://schemas.openxmlformats.org/drawingml/2006/main" xmlns:r="http://schemas.openxmlformats.org/officeDocument/2006/relationships" xmlns:p="http://schemas.openxmlformats.org/presentationml/2006/main">
+  <p:cSld>
+    <p:spTree>
+      <p:nvGrpSpPr>
+        <p:cNvPr id="1" name=""/>
+        <p:cNvGrpSpPr/>
+        <p:nvPr/>
+      </p:nvGrpSpPr>
+      <p:grpSpPr>
+        <a:xfrm>
+          <a:off x="0" y="0"/>
+          <a:ext cx="0" cy="0"/>
+          <a:chOff x="0" y="0"/>
+          <a:chExt cx="0" cy="0"/>
+        </a:xfrm>
+      </p:grpSpPr>
+      <p:pic>
+        <p:nvPicPr>
+          <p:cNvPr id="2" name="図 1"/>
+          <p:cNvPicPr>
+            <a:picLocks noChangeAspect="1"/>
+          </p:cNvPicPr>
+          <p:nvPr/>
+        </p:nvPicPr>
+        <p:blipFill>
+          <a:blip r:embed="rId2">
+            <a:extLst>
+              <a:ext uri="{28A0092B-C50C-407E-A947-70E740481C1C}">
+                <a14:useLocalDpi xmlns:a14="http://schemas.microsoft.com/office/drawing/2010/main" val="0"/>
+              </a:ext>
+            </a:extLst>
+          </a:blip>
+          <a:stretch>
+            <a:fillRect/>
+          </a:stretch>
+        </p:blipFill>
+        <p:spPr>
+          <a:xfrm>
+            <a:off x="1770240" y="89507"/>
+            <a:ext cx="8093608" cy="3110892"/>
+          </a:xfrm>
+          <a:prstGeom prst="rect">
+            <a:avLst/>
+          </a:prstGeom>
+        </p:spPr>
+      </p:pic>
+      <p:sp>
+        <p:nvSpPr>
+          <p:cNvPr id="3" name="スライド番号プレースホルダー 2"/>
+          <p:cNvSpPr>
+            <a:spLocks noGrp="1"/>
+          </p:cNvSpPr>
+          <p:nvPr>
+            <p:ph type="sldNum" idx="12"/>
+          </p:nvPr>
+        </p:nvSpPr>
+        <p:spPr/>
+        <p:txBody>
+          <a:bodyPr/>
+          <a:lstStyle/>
+          <a:p>
+            <a:fld id="{65DCD64C-6423-45E6-8E2E-C7F98492B690}" type="slidenum">
+              <a:rPr kumimoji="1" lang="ja-JP" altLang="en-US" smtClean="0"/>
+              <a:t>7</a:t>
+            </a:fld>
+            <a:endParaRPr kumimoji="1" lang="ja-JP" altLang="en-US"/>
+          </a:p>
+        </p:txBody>
+      </p:sp>
+    </p:spTree>
+    <p:extLst>
+      <p:ext uri="{BB962C8B-B14F-4D97-AF65-F5344CB8AC3E}">
+        <p14:creationId xmlns:p14="http://schemas.microsoft.com/office/powerpoint/2010/main" val="941110905"/>
+      </p:ext>
+    </p:extLst>
+  </p:cSld>
+  <p:clrMapOvr>
+    <a:masterClrMapping/>
+  </p:clrMapOvr>
+</p:sld>
+</file>
+
+<file path=ppt/slides/slide8.xml><?xml version="1.0" encoding="utf-8"?>
+<p:sld xmlns:a="http://schemas.openxmlformats.org/drawingml/2006/main" xmlns:r="http://schemas.openxmlformats.org/officeDocument/2006/relationships" xmlns:p="http://schemas.openxmlformats.org/presentationml/2006/main">
+  <p:cSld>
+    <p:spTree>
+      <p:nvGrpSpPr>
+        <p:cNvPr id="1" name=""/>
+        <p:cNvGrpSpPr/>
+        <p:nvPr/>
+      </p:nvGrpSpPr>
+      <p:grpSpPr>
+        <a:xfrm>
+          <a:off x="0" y="0"/>
+          <a:ext cx="0" cy="0"/>
+          <a:chOff x="0" y="0"/>
+          <a:chExt cx="0" cy="0"/>
+        </a:xfrm>
+      </p:grpSpPr>
+      <p:sp>
+        <p:nvSpPr>
+          <p:cNvPr id="2" name="タイトル 1"/>
+          <p:cNvSpPr>
+            <a:spLocks noGrp="1"/>
+          </p:cNvSpPr>
+          <p:nvPr>
+            <p:ph type="title"/>
+          </p:nvPr>
+        </p:nvSpPr>
+        <p:spPr/>
+        <p:txBody>
+          <a:bodyPr/>
+          <a:lstStyle/>
+          <a:p>
+            <a:r>
+              <a:rPr kumimoji="1" lang="ja-JP" altLang="en-US" dirty="0" smtClean="0"/>
+              <a:t>他アルゴリズムとの比較</a:t>
+            </a:r>
+            <a:endParaRPr kumimoji="1" lang="ja-JP" altLang="en-US" dirty="0"/>
+          </a:p>
+        </p:txBody>
+      </p:sp>
+      <p:sp>
+        <p:nvSpPr>
+          <p:cNvPr id="3" name="テキスト プレースホルダー 2"/>
           <p:cNvSpPr>
             <a:spLocks noGrp="1"/>
           </p:cNvSpPr>
@@ -10493,10 +11920,33 @@
           </a:p>
         </p:txBody>
       </p:sp>
+      <p:sp>
+        <p:nvSpPr>
+          <p:cNvPr id="4" name="スライド番号プレースホルダー 3"/>
+          <p:cNvSpPr>
+            <a:spLocks noGrp="1"/>
+          </p:cNvSpPr>
+          <p:nvPr>
+            <p:ph type="sldNum" idx="12"/>
+          </p:nvPr>
+        </p:nvSpPr>
+        <p:spPr/>
+        <p:txBody>
+          <a:bodyPr/>
+          <a:lstStyle/>
+          <a:p>
+            <a:fld id="{65DCD64C-6423-45E6-8E2E-C7F98492B690}" type="slidenum">
+              <a:rPr kumimoji="1" lang="ja-JP" altLang="en-US" smtClean="0"/>
+              <a:t>8</a:t>
+            </a:fld>
+            <a:endParaRPr kumimoji="1" lang="ja-JP" altLang="en-US"/>
+          </a:p>
+        </p:txBody>
+      </p:sp>
     </p:spTree>
     <p:extLst>
       <p:ext uri="{BB962C8B-B14F-4D97-AF65-F5344CB8AC3E}">
-        <p14:creationId xmlns:p14="http://schemas.microsoft.com/office/powerpoint/2010/main" val="3519548776"/>
+        <p14:creationId xmlns:p14="http://schemas.microsoft.com/office/powerpoint/2010/main" val="3935157565"/>
       </p:ext>
     </p:extLst>
   </p:cSld>
@@ -10506,8 +11956,8 @@
 </p:sld>
 </file>
 
-<file path=ppt/slides/slide4.xml><?xml version="1.0" encoding="utf-8"?>
-<p:sld xmlns:a="http://schemas.openxmlformats.org/drawingml/2006/main" xmlns:r="http://schemas.openxmlformats.org/officeDocument/2006/relationships" xmlns:p="http://schemas.openxmlformats.org/presentationml/2006/main">
+<file path=ppt/slides/slide9.xml><?xml version="1.0" encoding="utf-8"?>
+<p:sld xmlns:a="http://schemas.openxmlformats.org/drawingml/2006/main" xmlns:r="http://schemas.openxmlformats.org/officeDocument/2006/relationships" xmlns:p="http://schemas.openxmlformats.org/presentationml/2006/main" show="0">
   <p:cSld>
     <p:spTree>
       <p:nvGrpSpPr>
@@ -10570,8 +12020,8 @@
         </p:nvSpPr>
         <p:spPr>
           <a:xfrm>
-            <a:off x="838200" y="1737374"/>
-            <a:ext cx="10515600" cy="4557100"/>
+            <a:off x="838200" y="1260718"/>
+            <a:ext cx="10515600" cy="5597282"/>
           </a:xfrm>
           <a:prstGeom prst="rect">
             <a:avLst/>
@@ -10599,6 +12049,54 @@
                 <a:latin typeface="Segoe UI Light" panose="020B0502040204020203" pitchFamily="34" charset="0"/>
                 <a:cs typeface="Segoe UI Light" panose="020B0502040204020203" pitchFamily="34" charset="0"/>
               </a:rPr>
+              <a:t>論文本体</a:t>
+            </a:r>
+            <a:endParaRPr kumimoji="1" lang="en-US" altLang="ja-JP" sz="2000" dirty="0" smtClean="0">
+              <a:latin typeface="Segoe UI Light" panose="020B0502040204020203" pitchFamily="34" charset="0"/>
+              <a:cs typeface="Segoe UI Light" panose="020B0502040204020203" pitchFamily="34" charset="0"/>
+            </a:endParaRPr>
+          </a:p>
+          <a:p>
+            <a:r>
+              <a:rPr kumimoji="1" lang="en-US" altLang="ja-JP" sz="2000" dirty="0">
+                <a:latin typeface="Segoe UI Light" panose="020B0502040204020203" pitchFamily="34" charset="0"/>
+                <a:cs typeface="Segoe UI Light" panose="020B0502040204020203" pitchFamily="34" charset="0"/>
+                <a:hlinkClick r:id="rId3"/>
+              </a:rPr>
+              <a:t>https://</a:t>
+            </a:r>
+            <a:r>
+              <a:rPr kumimoji="1" lang="en-US" altLang="ja-JP" sz="2000" dirty="0" smtClean="0">
+                <a:latin typeface="Segoe UI Light" panose="020B0502040204020203" pitchFamily="34" charset="0"/>
+                <a:cs typeface="Segoe UI Light" panose="020B0502040204020203" pitchFamily="34" charset="0"/>
+                <a:hlinkClick r:id="rId3"/>
+              </a:rPr>
+              <a:t>arxiv.org/pdf/1506.02640.pdf</a:t>
+            </a:r>
+            <a:endParaRPr kumimoji="1" lang="en-US" altLang="ja-JP" sz="2000" dirty="0">
+              <a:latin typeface="Segoe UI Light" panose="020B0502040204020203" pitchFamily="34" charset="0"/>
+              <a:cs typeface="Segoe UI Light" panose="020B0502040204020203" pitchFamily="34" charset="0"/>
+            </a:endParaRPr>
+          </a:p>
+          <a:p>
+            <a:endParaRPr kumimoji="1" lang="en-US" altLang="ja-JP" sz="2000" dirty="0" smtClean="0">
+              <a:latin typeface="Segoe UI Light" panose="020B0502040204020203" pitchFamily="34" charset="0"/>
+              <a:cs typeface="Segoe UI Light" panose="020B0502040204020203" pitchFamily="34" charset="0"/>
+            </a:endParaRPr>
+          </a:p>
+          <a:p>
+            <a:r>
+              <a:rPr kumimoji="1" lang="en-US" altLang="ja-JP" sz="2000" dirty="0" smtClean="0">
+                <a:latin typeface="Segoe UI Light" panose="020B0502040204020203" pitchFamily="34" charset="0"/>
+                <a:cs typeface="Segoe UI Light" panose="020B0502040204020203" pitchFamily="34" charset="0"/>
+              </a:rPr>
+              <a:t>YOLO</a:t>
+            </a:r>
+            <a:r>
+              <a:rPr kumimoji="1" lang="ja-JP" altLang="en-US" sz="2000" dirty="0" smtClean="0">
+                <a:latin typeface="Segoe UI Light" panose="020B0502040204020203" pitchFamily="34" charset="0"/>
+                <a:cs typeface="Segoe UI Light" panose="020B0502040204020203" pitchFamily="34" charset="0"/>
+              </a:rPr>
               <a:t>論文要点</a:t>
             </a:r>
             <a:endParaRPr kumimoji="1" lang="en-US" altLang="ja-JP" sz="2000" dirty="0" smtClean="0">
@@ -10611,7 +12109,7 @@
               <a:rPr kumimoji="1" lang="en-US" altLang="ja-JP" sz="2000" dirty="0" smtClean="0">
                 <a:latin typeface="Segoe UI Light" panose="020B0502040204020203" pitchFamily="34" charset="0"/>
                 <a:cs typeface="Segoe UI Light" panose="020B0502040204020203" pitchFamily="34" charset="0"/>
-                <a:hlinkClick r:id="rId2"/>
+                <a:hlinkClick r:id="rId4"/>
               </a:rPr>
               <a:t>https</a:t>
             </a:r>
@@ -10619,7 +12117,7 @@
               <a:rPr kumimoji="1" lang="en-US" altLang="ja-JP" sz="2000" dirty="0">
                 <a:latin typeface="Segoe UI Light" panose="020B0502040204020203" pitchFamily="34" charset="0"/>
                 <a:cs typeface="Segoe UI Light" panose="020B0502040204020203" pitchFamily="34" charset="0"/>
-                <a:hlinkClick r:id="rId2"/>
+                <a:hlinkClick r:id="rId4"/>
               </a:rPr>
               <a:t>://dev.classmethod.jp/machine-learning/research_paper_yolo</a:t>
             </a:r>
@@ -10627,10 +12125,231 @@
               <a:rPr kumimoji="1" lang="en-US" altLang="ja-JP" sz="2000" dirty="0" smtClean="0">
                 <a:latin typeface="Segoe UI Light" panose="020B0502040204020203" pitchFamily="34" charset="0"/>
                 <a:cs typeface="Segoe UI Light" panose="020B0502040204020203" pitchFamily="34" charset="0"/>
-                <a:hlinkClick r:id="rId2"/>
+                <a:hlinkClick r:id="rId4"/>
               </a:rPr>
               <a:t>/</a:t>
             </a:r>
+            <a:endParaRPr kumimoji="1" lang="en-US" altLang="ja-JP" sz="2000" dirty="0" smtClean="0">
+              <a:latin typeface="Segoe UI Light" panose="020B0502040204020203" pitchFamily="34" charset="0"/>
+              <a:cs typeface="Segoe UI Light" panose="020B0502040204020203" pitchFamily="34" charset="0"/>
+            </a:endParaRPr>
+          </a:p>
+          <a:p>
+            <a:endParaRPr kumimoji="1" lang="en-US" altLang="ja-JP" sz="2000" dirty="0">
+              <a:latin typeface="Segoe UI Light" panose="020B0502040204020203" pitchFamily="34" charset="0"/>
+              <a:cs typeface="Segoe UI Light" panose="020B0502040204020203" pitchFamily="34" charset="0"/>
+            </a:endParaRPr>
+          </a:p>
+          <a:p>
+            <a:r>
+              <a:rPr kumimoji="1" lang="ja-JP" altLang="en-US" sz="2000" dirty="0" smtClean="0">
+                <a:latin typeface="Segoe UI Light" panose="020B0502040204020203" pitchFamily="34" charset="0"/>
+                <a:cs typeface="Segoe UI Light" panose="020B0502040204020203" pitchFamily="34" charset="0"/>
+              </a:rPr>
+              <a:t>章毎の要約</a:t>
+            </a:r>
+            <a:endParaRPr kumimoji="1" lang="en-US" altLang="ja-JP" sz="2000" dirty="0" smtClean="0">
+              <a:latin typeface="Segoe UI Light" panose="020B0502040204020203" pitchFamily="34" charset="0"/>
+              <a:cs typeface="Segoe UI Light" panose="020B0502040204020203" pitchFamily="34" charset="0"/>
+            </a:endParaRPr>
+          </a:p>
+          <a:p>
+            <a:r>
+              <a:rPr kumimoji="1" lang="en-US" altLang="ja-JP" sz="2000" dirty="0">
+                <a:latin typeface="Segoe UI Light" panose="020B0502040204020203" pitchFamily="34" charset="0"/>
+                <a:cs typeface="Segoe UI Light" panose="020B0502040204020203" pitchFamily="34" charset="0"/>
+                <a:hlinkClick r:id="rId5"/>
+              </a:rPr>
+              <a:t>https://</a:t>
+            </a:r>
+            <a:r>
+              <a:rPr kumimoji="1" lang="en-US" altLang="ja-JP" sz="2000" dirty="0" smtClean="0">
+                <a:latin typeface="Segoe UI Light" panose="020B0502040204020203" pitchFamily="34" charset="0"/>
+                <a:cs typeface="Segoe UI Light" panose="020B0502040204020203" pitchFamily="34" charset="0"/>
+                <a:hlinkClick r:id="rId5"/>
+              </a:rPr>
+              <a:t>lib-arts.hatenablog.com/entry/paper19_YOLO</a:t>
+            </a:r>
+            <a:endParaRPr kumimoji="1" lang="en-US" altLang="ja-JP" sz="2000" dirty="0" smtClean="0">
+              <a:latin typeface="Segoe UI Light" panose="020B0502040204020203" pitchFamily="34" charset="0"/>
+              <a:cs typeface="Segoe UI Light" panose="020B0502040204020203" pitchFamily="34" charset="0"/>
+            </a:endParaRPr>
+          </a:p>
+          <a:p>
+            <a:endParaRPr kumimoji="1" lang="en-US" altLang="ja-JP" sz="2000" i="0" u="none" strike="noStrike" cap="none" dirty="0">
+              <a:solidFill>
+                <a:srgbClr val="000000"/>
+              </a:solidFill>
+              <a:latin typeface="Segoe UI Light" panose="020B0502040204020203" pitchFamily="34" charset="0"/>
+              <a:cs typeface="Segoe UI Light" panose="020B0502040204020203" pitchFamily="34" charset="0"/>
+              <a:sym typeface="Arial"/>
+            </a:endParaRPr>
+          </a:p>
+          <a:p>
+            <a:r>
+              <a:rPr kumimoji="1" lang="ja-JP" altLang="en-US" sz="2000" i="0" u="none" strike="noStrike" cap="none" dirty="0" smtClean="0">
+                <a:solidFill>
+                  <a:srgbClr val="000000"/>
+                </a:solidFill>
+                <a:latin typeface="Segoe UI Light" panose="020B0502040204020203" pitchFamily="34" charset="0"/>
+                <a:cs typeface="Segoe UI Light" panose="020B0502040204020203" pitchFamily="34" charset="0"/>
+                <a:sym typeface="Arial"/>
+              </a:rPr>
+              <a:t>アルゴリズム解説</a:t>
+            </a:r>
+            <a:endParaRPr kumimoji="1" lang="en-US" altLang="ja-JP" sz="2000" i="0" u="none" strike="noStrike" cap="none" dirty="0" smtClean="0">
+              <a:solidFill>
+                <a:srgbClr val="000000"/>
+              </a:solidFill>
+              <a:latin typeface="Segoe UI Light" panose="020B0502040204020203" pitchFamily="34" charset="0"/>
+              <a:cs typeface="Segoe UI Light" panose="020B0502040204020203" pitchFamily="34" charset="0"/>
+              <a:sym typeface="Arial"/>
+            </a:endParaRPr>
+          </a:p>
+          <a:p>
+            <a:r>
+              <a:rPr kumimoji="1" lang="en-US" altLang="ja-JP" sz="2000" dirty="0">
+                <a:latin typeface="Segoe UI Light" panose="020B0502040204020203" pitchFamily="34" charset="0"/>
+                <a:cs typeface="Segoe UI Light" panose="020B0502040204020203" pitchFamily="34" charset="0"/>
+                <a:hlinkClick r:id="rId6"/>
+              </a:rPr>
+              <a:t>https://blog.negativemind.com/2019/02/21/general-object-recognition-yolo</a:t>
+            </a:r>
+            <a:r>
+              <a:rPr kumimoji="1" lang="en-US" altLang="ja-JP" sz="2000" dirty="0" smtClean="0">
+                <a:latin typeface="Segoe UI Light" panose="020B0502040204020203" pitchFamily="34" charset="0"/>
+                <a:cs typeface="Segoe UI Light" panose="020B0502040204020203" pitchFamily="34" charset="0"/>
+                <a:hlinkClick r:id="rId6"/>
+              </a:rPr>
+              <a:t>/</a:t>
+            </a:r>
+            <a:endParaRPr kumimoji="1" lang="en-US" altLang="ja-JP" sz="2000" dirty="0" smtClean="0">
+              <a:latin typeface="Segoe UI Light" panose="020B0502040204020203" pitchFamily="34" charset="0"/>
+              <a:cs typeface="Segoe UI Light" panose="020B0502040204020203" pitchFamily="34" charset="0"/>
+            </a:endParaRPr>
+          </a:p>
+          <a:p>
+            <a:endParaRPr kumimoji="1" lang="en-US" altLang="ja-JP" sz="2000" dirty="0">
+              <a:latin typeface="Segoe UI Light" panose="020B0502040204020203" pitchFamily="34" charset="0"/>
+              <a:cs typeface="Segoe UI Light" panose="020B0502040204020203" pitchFamily="34" charset="0"/>
+            </a:endParaRPr>
+          </a:p>
+          <a:p>
+            <a:r>
+              <a:rPr kumimoji="1" lang="ja-JP" altLang="en-US" sz="2000" dirty="0" smtClean="0">
+                <a:latin typeface="Segoe UI Light" panose="020B0502040204020203" pitchFamily="34" charset="0"/>
+                <a:cs typeface="Segoe UI Light" panose="020B0502040204020203" pitchFamily="34" charset="0"/>
+              </a:rPr>
+              <a:t>物体認識の歴史</a:t>
+            </a:r>
+            <a:endParaRPr kumimoji="1" lang="en-US" altLang="ja-JP" sz="2000" dirty="0" smtClean="0">
+              <a:latin typeface="Segoe UI Light" panose="020B0502040204020203" pitchFamily="34" charset="0"/>
+              <a:cs typeface="Segoe UI Light" panose="020B0502040204020203" pitchFamily="34" charset="0"/>
+            </a:endParaRPr>
+          </a:p>
+          <a:p>
+            <a:r>
+              <a:rPr kumimoji="1" lang="en-US" altLang="ja-JP" sz="2000" dirty="0">
+                <a:latin typeface="Segoe UI Light" panose="020B0502040204020203" pitchFamily="34" charset="0"/>
+                <a:cs typeface="Segoe UI Light" panose="020B0502040204020203" pitchFamily="34" charset="0"/>
+                <a:hlinkClick r:id="rId7"/>
+              </a:rPr>
+              <a:t>https://www.slideshare.net/DeepLearningJP2016/dl-reading-paper20170804pdf?ref</a:t>
+            </a:r>
+            <a:r>
+              <a:rPr kumimoji="1" lang="en-US" altLang="ja-JP" sz="2000" dirty="0" smtClean="0">
+                <a:latin typeface="Segoe UI Light" panose="020B0502040204020203" pitchFamily="34" charset="0"/>
+                <a:cs typeface="Segoe UI Light" panose="020B0502040204020203" pitchFamily="34" charset="0"/>
+                <a:hlinkClick r:id="rId7"/>
+              </a:rPr>
+              <a:t>=</a:t>
+            </a:r>
+          </a:p>
+          <a:p>
+            <a:r>
+              <a:rPr kumimoji="1" lang="en-US" altLang="ja-JP" sz="2000" dirty="0" smtClean="0">
+                <a:latin typeface="Segoe UI Light" panose="020B0502040204020203" pitchFamily="34" charset="0"/>
+                <a:cs typeface="Segoe UI Light" panose="020B0502040204020203" pitchFamily="34" charset="0"/>
+                <a:hlinkClick r:id="rId6"/>
+              </a:rPr>
+              <a:t>https</a:t>
+            </a:r>
+            <a:r>
+              <a:rPr kumimoji="1" lang="en-US" altLang="ja-JP" sz="2000" dirty="0">
+                <a:latin typeface="Segoe UI Light" panose="020B0502040204020203" pitchFamily="34" charset="0"/>
+                <a:cs typeface="Segoe UI Light" panose="020B0502040204020203" pitchFamily="34" charset="0"/>
+                <a:hlinkClick r:id="rId6"/>
+              </a:rPr>
+              <a:t>://blog.negativemind.com/2019/02/21/general-object-recognition-yolo</a:t>
+            </a:r>
+            <a:r>
+              <a:rPr kumimoji="1" lang="en-US" altLang="ja-JP" sz="2000" dirty="0" smtClean="0">
+                <a:latin typeface="Segoe UI Light" panose="020B0502040204020203" pitchFamily="34" charset="0"/>
+                <a:cs typeface="Segoe UI Light" panose="020B0502040204020203" pitchFamily="34" charset="0"/>
+                <a:hlinkClick r:id="rId6"/>
+              </a:rPr>
+              <a:t>/</a:t>
+            </a:r>
+            <a:endParaRPr kumimoji="1" lang="en-US" altLang="ja-JP" sz="2000" dirty="0" smtClean="0">
+              <a:latin typeface="Segoe UI Light" panose="020B0502040204020203" pitchFamily="34" charset="0"/>
+              <a:cs typeface="Segoe UI Light" panose="020B0502040204020203" pitchFamily="34" charset="0"/>
+            </a:endParaRPr>
+          </a:p>
+          <a:p>
+            <a:endParaRPr kumimoji="1" lang="en-US" altLang="ja-JP" sz="2000" dirty="0">
+              <a:latin typeface="Segoe UI Light" panose="020B0502040204020203" pitchFamily="34" charset="0"/>
+              <a:cs typeface="Segoe UI Light" panose="020B0502040204020203" pitchFamily="34" charset="0"/>
+            </a:endParaRPr>
+          </a:p>
+          <a:p>
+            <a:r>
+              <a:rPr kumimoji="1" lang="en-US" altLang="ja-JP" sz="2000" dirty="0" smtClean="0">
+                <a:latin typeface="Segoe UI Light" panose="020B0502040204020203" pitchFamily="34" charset="0"/>
+                <a:cs typeface="Segoe UI Light" panose="020B0502040204020203" pitchFamily="34" charset="0"/>
+              </a:rPr>
+              <a:t>CNN</a:t>
+            </a:r>
+            <a:r>
+              <a:rPr kumimoji="1" lang="ja-JP" altLang="en-US" sz="2000" dirty="0" smtClean="0">
+                <a:latin typeface="Segoe UI Light" panose="020B0502040204020203" pitchFamily="34" charset="0"/>
+                <a:cs typeface="Segoe UI Light" panose="020B0502040204020203" pitchFamily="34" charset="0"/>
+              </a:rPr>
+              <a:t>解説</a:t>
+            </a:r>
+            <a:endParaRPr kumimoji="1" lang="en-US" altLang="ja-JP" sz="2000" dirty="0" smtClean="0">
+              <a:latin typeface="Segoe UI Light" panose="020B0502040204020203" pitchFamily="34" charset="0"/>
+              <a:cs typeface="Segoe UI Light" panose="020B0502040204020203" pitchFamily="34" charset="0"/>
+            </a:endParaRPr>
+          </a:p>
+          <a:p>
+            <a:r>
+              <a:rPr kumimoji="1" lang="en-US" altLang="ja-JP" sz="2000" dirty="0">
+                <a:latin typeface="Segoe UI Light" panose="020B0502040204020203" pitchFamily="34" charset="0"/>
+                <a:cs typeface="Segoe UI Light" panose="020B0502040204020203" pitchFamily="34" charset="0"/>
+                <a:hlinkClick r:id="rId8"/>
+              </a:rPr>
+              <a:t>https://</a:t>
+            </a:r>
+            <a:r>
+              <a:rPr kumimoji="1" lang="en-US" altLang="ja-JP" sz="2000" dirty="0" smtClean="0">
+                <a:latin typeface="Segoe UI Light" panose="020B0502040204020203" pitchFamily="34" charset="0"/>
+                <a:cs typeface="Segoe UI Light" panose="020B0502040204020203" pitchFamily="34" charset="0"/>
+                <a:hlinkClick r:id="rId8"/>
+              </a:rPr>
+              <a:t>deepage.net/deep_learning/2016/11/07/convolutional_neural_network.html</a:t>
+            </a:r>
+            <a:endParaRPr kumimoji="1" lang="en-US" altLang="ja-JP" sz="2000" dirty="0" smtClean="0">
+              <a:latin typeface="Segoe UI Light" panose="020B0502040204020203" pitchFamily="34" charset="0"/>
+              <a:cs typeface="Segoe UI Light" panose="020B0502040204020203" pitchFamily="34" charset="0"/>
+            </a:endParaRPr>
+          </a:p>
+          <a:p>
+            <a:endParaRPr kumimoji="1" lang="en-US" altLang="ja-JP" sz="2000" dirty="0" smtClean="0">
+              <a:latin typeface="Segoe UI Light" panose="020B0502040204020203" pitchFamily="34" charset="0"/>
+              <a:cs typeface="Segoe UI Light" panose="020B0502040204020203" pitchFamily="34" charset="0"/>
+            </a:endParaRPr>
+          </a:p>
+          <a:p>
             <a:endParaRPr kumimoji="1" lang="en-US" altLang="ja-JP" sz="2000" dirty="0" smtClean="0">
               <a:latin typeface="Segoe UI Light" panose="020B0502040204020203" pitchFamily="34" charset="0"/>
               <a:cs typeface="Segoe UI Light" panose="020B0502040204020203" pitchFamily="34" charset="0"/>
@@ -10658,6 +12377,29 @@
           </a:p>
         </p:txBody>
       </p:sp>
+      <p:sp>
+        <p:nvSpPr>
+          <p:cNvPr id="9" name="スライド番号プレースホルダー 8"/>
+          <p:cNvSpPr>
+            <a:spLocks noGrp="1"/>
+          </p:cNvSpPr>
+          <p:nvPr>
+            <p:ph type="sldNum" idx="12"/>
+          </p:nvPr>
+        </p:nvSpPr>
+        <p:spPr/>
+        <p:txBody>
+          <a:bodyPr/>
+          <a:lstStyle/>
+          <a:p>
+            <a:fld id="{65DCD64C-6423-45E6-8E2E-C7F98492B690}" type="slidenum">
+              <a:rPr kumimoji="1" lang="ja-JP" altLang="en-US" smtClean="0"/>
+              <a:t>9</a:t>
+            </a:fld>
+            <a:endParaRPr kumimoji="1" lang="ja-JP" altLang="en-US"/>
+          </a:p>
+        </p:txBody>
+      </p:sp>
     </p:spTree>
     <p:extLst>
       <p:ext uri="{BB962C8B-B14F-4D97-AF65-F5344CB8AC3E}">
@@ -10668,6 +12410,14 @@
   <p:clrMapOvr>
     <a:masterClrMapping/>
   </p:clrMapOvr>
+  <mc:AlternateContent xmlns:mc="http://schemas.openxmlformats.org/markup-compatibility/2006">
+    <mc:Choice xmlns:p14="http://schemas.microsoft.com/office/powerpoint/2010/main" Requires="p14">
+      <p:transition spd="slow" p14:dur="2000"/>
+    </mc:Choice>
+    <mc:Fallback>
+      <p:transition spd="slow"/>
+    </mc:Fallback>
+  </mc:AlternateContent>
 </p:sld>
 </file>
 
@@ -10929,4 +12679,265 @@
     </a:ext>
   </a:extLst>
 </a:theme>
+</file>
+
+<file path=ppt/theme/theme2.xml><?xml version="1.0" encoding="utf-8"?>
+<a:theme xmlns:a="http://schemas.openxmlformats.org/drawingml/2006/main" name="Office テーマ">
+  <a:themeElements>
+    <a:clrScheme name="Office">
+      <a:dk1>
+        <a:sysClr val="windowText" lastClr="000000"/>
+      </a:dk1>
+      <a:lt1>
+        <a:sysClr val="window" lastClr="FFFFFF"/>
+      </a:lt1>
+      <a:dk2>
+        <a:srgbClr val="44546A"/>
+      </a:dk2>
+      <a:lt2>
+        <a:srgbClr val="E7E6E6"/>
+      </a:lt2>
+      <a:accent1>
+        <a:srgbClr val="5B9BD5"/>
+      </a:accent1>
+      <a:accent2>
+        <a:srgbClr val="ED7D31"/>
+      </a:accent2>
+      <a:accent3>
+        <a:srgbClr val="A5A5A5"/>
+      </a:accent3>
+      <a:accent4>
+        <a:srgbClr val="FFC000"/>
+      </a:accent4>
+      <a:accent5>
+        <a:srgbClr val="4472C4"/>
+      </a:accent5>
+      <a:accent6>
+        <a:srgbClr val="70AD47"/>
+      </a:accent6>
+      <a:hlink>
+        <a:srgbClr val="0563C1"/>
+      </a:hlink>
+      <a:folHlink>
+        <a:srgbClr val="954F72"/>
+      </a:folHlink>
+    </a:clrScheme>
+    <a:fontScheme name="Office">
+      <a:majorFont>
+        <a:latin typeface="Calibri Light" panose="020F0302020204030204"/>
+        <a:ea typeface=""/>
+        <a:cs typeface=""/>
+        <a:font script="Jpan" typeface="ＭＳ Ｐゴシック"/>
+        <a:font script="Hang" typeface="맑은 고딕"/>
+        <a:font script="Hans" typeface="宋体"/>
+        <a:font script="Hant" typeface="新細明體"/>
+        <a:font script="Arab" typeface="Times New Roman"/>
+        <a:font script="Hebr" typeface="Times New Roman"/>
+        <a:font script="Thai" typeface="Angsana New"/>
+        <a:font script="Ethi" typeface="Nyala"/>
+        <a:font script="Beng" typeface="Vrinda"/>
+        <a:font script="Gujr" typeface="Shruti"/>
+        <a:font script="Khmr" typeface="MoolBoran"/>
+        <a:font script="Knda" typeface="Tunga"/>
+        <a:font script="Guru" typeface="Raavi"/>
+        <a:font script="Cans" typeface="Euphemia"/>
+        <a:font script="Cher" typeface="Plantagenet Cherokee"/>
+        <a:font script="Yiii" typeface="Microsoft Yi Baiti"/>
+        <a:font script="Tibt" typeface="Microsoft Himalaya"/>
+        <a:font script="Thaa" typeface="MV Boli"/>
+        <a:font script="Deva" typeface="Mangal"/>
+        <a:font script="Telu" typeface="Gautami"/>
+        <a:font script="Taml" typeface="Latha"/>
+        <a:font script="Syrc" typeface="Estrangelo Edessa"/>
+        <a:font script="Orya" typeface="Kalinga"/>
+        <a:font script="Mlym" typeface="Kartika"/>
+        <a:font script="Laoo" typeface="DokChampa"/>
+        <a:font script="Sinh" typeface="Iskoola Pota"/>
+        <a:font script="Mong" typeface="Mongolian Baiti"/>
+        <a:font script="Viet" typeface="Times New Roman"/>
+        <a:font script="Uigh" typeface="Microsoft Uighur"/>
+        <a:font script="Geor" typeface="Sylfaen"/>
+      </a:majorFont>
+      <a:minorFont>
+        <a:latin typeface="Calibri" panose="020F0502020204030204"/>
+        <a:ea typeface=""/>
+        <a:cs typeface=""/>
+        <a:font script="Jpan" typeface="ＭＳ Ｐゴシック"/>
+        <a:font script="Hang" typeface="맑은 고딕"/>
+        <a:font script="Hans" typeface="宋体"/>
+        <a:font script="Hant" typeface="新細明體"/>
+        <a:font script="Arab" typeface="Arial"/>
+        <a:font script="Hebr" typeface="Arial"/>
+        <a:font script="Thai" typeface="Cordia New"/>
+        <a:font script="Ethi" typeface="Nyala"/>
+        <a:font script="Beng" typeface="Vrinda"/>
+        <a:font script="Gujr" typeface="Shruti"/>
+        <a:font script="Khmr" typeface="DaunPenh"/>
+        <a:font script="Knda" typeface="Tunga"/>
+        <a:font script="Guru" typeface="Raavi"/>
+        <a:font script="Cans" typeface="Euphemia"/>
+        <a:font script="Cher" typeface="Plantagenet Cherokee"/>
+        <a:font script="Yiii" typeface="Microsoft Yi Baiti"/>
+        <a:font script="Tibt" typeface="Microsoft Himalaya"/>
+        <a:font script="Thaa" typeface="MV Boli"/>
+        <a:font script="Deva" typeface="Mangal"/>
+        <a:font script="Telu" typeface="Gautami"/>
+        <a:font script="Taml" typeface="Latha"/>
+        <a:font script="Syrc" typeface="Estrangelo Edessa"/>
+        <a:font script="Orya" typeface="Kalinga"/>
+        <a:font script="Mlym" typeface="Kartika"/>
+        <a:font script="Laoo" typeface="DokChampa"/>
+        <a:font script="Sinh" typeface="Iskoola Pota"/>
+        <a:font script="Mong" typeface="Mongolian Baiti"/>
+        <a:font script="Viet" typeface="Arial"/>
+        <a:font script="Uigh" typeface="Microsoft Uighur"/>
+        <a:font script="Geor" typeface="Sylfaen"/>
+      </a:minorFont>
+    </a:fontScheme>
+    <a:fmtScheme name="Office">
+      <a:fillStyleLst>
+        <a:solidFill>
+          <a:schemeClr val="phClr"/>
+        </a:solidFill>
+        <a:gradFill rotWithShape="1">
+          <a:gsLst>
+            <a:gs pos="0">
+              <a:schemeClr val="phClr">
+                <a:lumMod val="110000"/>
+                <a:satMod val="105000"/>
+                <a:tint val="67000"/>
+              </a:schemeClr>
+            </a:gs>
+            <a:gs pos="50000">
+              <a:schemeClr val="phClr">
+                <a:lumMod val="105000"/>
+                <a:satMod val="103000"/>
+                <a:tint val="73000"/>
+              </a:schemeClr>
+            </a:gs>
+            <a:gs pos="100000">
+              <a:schemeClr val="phClr">
+                <a:lumMod val="105000"/>
+                <a:satMod val="109000"/>
+                <a:tint val="81000"/>
+              </a:schemeClr>
+            </a:gs>
+          </a:gsLst>
+          <a:lin ang="5400000" scaled="0"/>
+        </a:gradFill>
+        <a:gradFill rotWithShape="1">
+          <a:gsLst>
+            <a:gs pos="0">
+              <a:schemeClr val="phClr">
+                <a:satMod val="103000"/>
+                <a:lumMod val="102000"/>
+                <a:tint val="94000"/>
+              </a:schemeClr>
+            </a:gs>
+            <a:gs pos="50000">
+              <a:schemeClr val="phClr">
+                <a:satMod val="110000"/>
+                <a:lumMod val="100000"/>
+                <a:shade val="100000"/>
+              </a:schemeClr>
+            </a:gs>
+            <a:gs pos="100000">
+              <a:schemeClr val="phClr">
+                <a:lumMod val="99000"/>
+                <a:satMod val="120000"/>
+                <a:shade val="78000"/>
+              </a:schemeClr>
+            </a:gs>
+          </a:gsLst>
+          <a:lin ang="5400000" scaled="0"/>
+        </a:gradFill>
+      </a:fillStyleLst>
+      <a:lnStyleLst>
+        <a:ln w="6350" cap="flat" cmpd="sng" algn="ctr">
+          <a:solidFill>
+            <a:schemeClr val="phClr"/>
+          </a:solidFill>
+          <a:prstDash val="solid"/>
+          <a:miter lim="800000"/>
+        </a:ln>
+        <a:ln w="12700" cap="flat" cmpd="sng" algn="ctr">
+          <a:solidFill>
+            <a:schemeClr val="phClr"/>
+          </a:solidFill>
+          <a:prstDash val="solid"/>
+          <a:miter lim="800000"/>
+        </a:ln>
+        <a:ln w="19050" cap="flat" cmpd="sng" algn="ctr">
+          <a:solidFill>
+            <a:schemeClr val="phClr"/>
+          </a:solidFill>
+          <a:prstDash val="solid"/>
+          <a:miter lim="800000"/>
+        </a:ln>
+      </a:lnStyleLst>
+      <a:effectStyleLst>
+        <a:effectStyle>
+          <a:effectLst/>
+        </a:effectStyle>
+        <a:effectStyle>
+          <a:effectLst/>
+        </a:effectStyle>
+        <a:effectStyle>
+          <a:effectLst>
+            <a:outerShdw blurRad="57150" dist="19050" dir="5400000" algn="ctr" rotWithShape="0">
+              <a:srgbClr val="000000">
+                <a:alpha val="63000"/>
+              </a:srgbClr>
+            </a:outerShdw>
+          </a:effectLst>
+        </a:effectStyle>
+      </a:effectStyleLst>
+      <a:bgFillStyleLst>
+        <a:solidFill>
+          <a:schemeClr val="phClr"/>
+        </a:solidFill>
+        <a:solidFill>
+          <a:schemeClr val="phClr">
+            <a:tint val="95000"/>
+            <a:satMod val="170000"/>
+          </a:schemeClr>
+        </a:solidFill>
+        <a:gradFill rotWithShape="1">
+          <a:gsLst>
+            <a:gs pos="0">
+              <a:schemeClr val="phClr">
+                <a:tint val="93000"/>
+                <a:satMod val="150000"/>
+                <a:shade val="98000"/>
+                <a:lumMod val="102000"/>
+              </a:schemeClr>
+            </a:gs>
+            <a:gs pos="50000">
+              <a:schemeClr val="phClr">
+                <a:tint val="98000"/>
+                <a:satMod val="130000"/>
+                <a:shade val="90000"/>
+                <a:lumMod val="103000"/>
+              </a:schemeClr>
+            </a:gs>
+            <a:gs pos="100000">
+              <a:schemeClr val="phClr">
+                <a:shade val="63000"/>
+                <a:satMod val="120000"/>
+              </a:schemeClr>
+            </a:gs>
+          </a:gsLst>
+          <a:lin ang="5400000" scaled="0"/>
+        </a:gradFill>
+      </a:bgFillStyleLst>
+    </a:fmtScheme>
+  </a:themeElements>
+  <a:objectDefaults/>
+  <a:extraClrSchemeLst/>
+  <a:extLst>
+    <a:ext uri="{05A4C25C-085E-4340-85A3-A5531E510DB2}">
+      <thm15:themeFamily xmlns:thm15="http://schemas.microsoft.com/office/thememl/2012/main" name="Office Theme" id="{62F939B6-93AF-4DB8-9C6B-D6C7DFDC589F}" vid="{4A3C46E8-61CC-4603-A589-7422A47A8E4A}"/>
+    </a:ext>
+  </a:extLst>
+</a:theme>
 </file>